--- a/Apresentação-PairProgramming.pptx
+++ b/Apresentação-PairProgramming.pptx
@@ -5,12 +5,15 @@
     <p:sldMasterId id="2147483708" r:id="rId1"/>
   </p:sldMasterIdLst>
   <p:notesMasterIdLst>
-    <p:notesMasterId r:id="rId5"/>
+    <p:notesMasterId r:id="rId8"/>
   </p:notesMasterIdLst>
   <p:sldIdLst>
     <p:sldId id="256" r:id="rId2"/>
     <p:sldId id="257" r:id="rId3"/>
     <p:sldId id="258" r:id="rId4"/>
+    <p:sldId id="259" r:id="rId5"/>
+    <p:sldId id="260" r:id="rId6"/>
+    <p:sldId id="261" r:id="rId7"/>
   </p:sldIdLst>
   <p:sldSz cx="12192000" cy="6858000"/>
   <p:notesSz cx="6858000" cy="9144000"/>
@@ -194,7 +197,7 @@
           <a:p>
             <a:fld id="{8C5D46CB-8207-4C27-A7E6-531BD6AF5662}" type="datetimeFigureOut">
               <a:rPr lang="pt-BR" smtClean="0"/>
-              <a:t>29/08/2017</a:t>
+              <a:t>30/08/2017</a:t>
             </a:fld>
             <a:endParaRPr lang="pt-BR"/>
           </a:p>
@@ -604,7 +607,7 @@
           <a:p>
             <a:fld id="{2C5BA0E4-B806-4056-BFF0-BAA86BA96ACE}" type="datetimeFigureOut">
               <a:rPr lang="pt-BR" smtClean="0"/>
-              <a:t>29/08/2017</a:t>
+              <a:t>30/08/2017</a:t>
             </a:fld>
             <a:endParaRPr lang="pt-BR"/>
           </a:p>
@@ -774,7 +777,7 @@
           <a:p>
             <a:fld id="{2C5BA0E4-B806-4056-BFF0-BAA86BA96ACE}" type="datetimeFigureOut">
               <a:rPr lang="pt-BR" smtClean="0"/>
-              <a:t>29/08/2017</a:t>
+              <a:t>30/08/2017</a:t>
             </a:fld>
             <a:endParaRPr lang="pt-BR"/>
           </a:p>
@@ -954,7 +957,7 @@
           <a:p>
             <a:fld id="{2C5BA0E4-B806-4056-BFF0-BAA86BA96ACE}" type="datetimeFigureOut">
               <a:rPr lang="pt-BR" smtClean="0"/>
-              <a:t>29/08/2017</a:t>
+              <a:t>30/08/2017</a:t>
             </a:fld>
             <a:endParaRPr lang="pt-BR"/>
           </a:p>
@@ -1124,7 +1127,7 @@
           <a:p>
             <a:fld id="{2C5BA0E4-B806-4056-BFF0-BAA86BA96ACE}" type="datetimeFigureOut">
               <a:rPr lang="pt-BR" smtClean="0"/>
-              <a:t>29/08/2017</a:t>
+              <a:t>30/08/2017</a:t>
             </a:fld>
             <a:endParaRPr lang="pt-BR"/>
           </a:p>
@@ -1375,7 +1378,7 @@
           <a:p>
             <a:fld id="{2C5BA0E4-B806-4056-BFF0-BAA86BA96ACE}" type="datetimeFigureOut">
               <a:rPr lang="pt-BR" smtClean="0"/>
-              <a:t>29/08/2017</a:t>
+              <a:t>30/08/2017</a:t>
             </a:fld>
             <a:endParaRPr lang="pt-BR"/>
           </a:p>
@@ -1607,7 +1610,7 @@
           <a:p>
             <a:fld id="{2C5BA0E4-B806-4056-BFF0-BAA86BA96ACE}" type="datetimeFigureOut">
               <a:rPr lang="pt-BR" smtClean="0"/>
-              <a:t>29/08/2017</a:t>
+              <a:t>30/08/2017</a:t>
             </a:fld>
             <a:endParaRPr lang="pt-BR"/>
           </a:p>
@@ -1954,7 +1957,7 @@
           <a:p>
             <a:fld id="{2C5BA0E4-B806-4056-BFF0-BAA86BA96ACE}" type="datetimeFigureOut">
               <a:rPr lang="pt-BR" smtClean="0"/>
-              <a:t>29/08/2017</a:t>
+              <a:t>30/08/2017</a:t>
             </a:fld>
             <a:endParaRPr lang="pt-BR"/>
           </a:p>
@@ -2072,7 +2075,7 @@
           <a:p>
             <a:fld id="{2C5BA0E4-B806-4056-BFF0-BAA86BA96ACE}" type="datetimeFigureOut">
               <a:rPr lang="pt-BR" smtClean="0"/>
-              <a:t>29/08/2017</a:t>
+              <a:t>30/08/2017</a:t>
             </a:fld>
             <a:endParaRPr lang="pt-BR"/>
           </a:p>
@@ -2190,7 +2193,7 @@
           <a:p>
             <a:fld id="{2C5BA0E4-B806-4056-BFF0-BAA86BA96ACE}" type="datetimeFigureOut">
               <a:rPr lang="pt-BR" smtClean="0"/>
-              <a:t>29/08/2017</a:t>
+              <a:t>30/08/2017</a:t>
             </a:fld>
             <a:endParaRPr lang="pt-BR"/>
           </a:p>
@@ -2474,7 +2477,7 @@
           <a:p>
             <a:fld id="{2C5BA0E4-B806-4056-BFF0-BAA86BA96ACE}" type="datetimeFigureOut">
               <a:rPr lang="pt-BR" smtClean="0"/>
-              <a:t>29/08/2017</a:t>
+              <a:t>30/08/2017</a:t>
             </a:fld>
             <a:endParaRPr lang="pt-BR"/>
           </a:p>
@@ -2738,7 +2741,7 @@
           <a:p>
             <a:fld id="{2C5BA0E4-B806-4056-BFF0-BAA86BA96ACE}" type="datetimeFigureOut">
               <a:rPr lang="pt-BR" smtClean="0"/>
-              <a:t>29/08/2017</a:t>
+              <a:t>30/08/2017</a:t>
             </a:fld>
             <a:endParaRPr lang="pt-BR"/>
           </a:p>
@@ -2952,7 +2955,7 @@
           <a:p>
             <a:fld id="{2C5BA0E4-B806-4056-BFF0-BAA86BA96ACE}" type="datetimeFigureOut">
               <a:rPr lang="pt-BR" smtClean="0"/>
-              <a:t>29/08/2017</a:t>
+              <a:t>30/08/2017</a:t>
             </a:fld>
             <a:endParaRPr lang="pt-BR"/>
           </a:p>
@@ -3432,7 +3435,7 @@
         </p:nvSpPr>
         <p:spPr>
           <a:xfrm>
-            <a:off x="4664032" y="189187"/>
+            <a:off x="4737604" y="370209"/>
             <a:ext cx="2233304" cy="707886"/>
           </a:xfrm>
           <a:prstGeom prst="rect">
@@ -3612,50 +3615,142 @@
           <a:chExt cx="0" cy="0"/>
         </a:xfrm>
       </p:grpSpPr>
-      <p:sp>
-        <p:nvSpPr>
-          <p:cNvPr id="2" name="Título 1"/>
-          <p:cNvSpPr>
-            <a:spLocks noGrp="1"/>
-          </p:cNvSpPr>
-          <p:nvPr>
-            <p:ph type="title"/>
-          </p:nvPr>
-        </p:nvSpPr>
+      <p:cxnSp>
+        <p:nvCxnSpPr>
+          <p:cNvPr id="14" name="Conector reto 13"/>
+          <p:cNvCxnSpPr/>
+          <p:nvPr/>
+        </p:nvCxnSpPr>
         <p:spPr>
           <a:xfrm>
-            <a:off x="0" y="0"/>
-            <a:ext cx="10515600" cy="1325562"/>
+            <a:off x="530679" y="824593"/>
+            <a:ext cx="11046278" cy="0"/>
           </a:xfrm>
+          <a:prstGeom prst="line">
+            <a:avLst/>
+          </a:prstGeom>
         </p:spPr>
-        <p:txBody>
-          <a:bodyPr/>
-          <a:lstStyle/>
-          <a:p>
-            <a:r>
-              <a:rPr lang="pt-BR" dirty="0" smtClean="0"/>
-              <a:t>Conceito Básico</a:t>
-            </a:r>
-            <a:endParaRPr lang="pt-BR" dirty="0"/>
-          </a:p>
-        </p:txBody>
-      </p:sp>
-      <p:sp>
-        <p:nvSpPr>
-          <p:cNvPr id="3" name="Espaço Reservado para Conteúdo 2"/>
-          <p:cNvSpPr>
-            <a:spLocks noGrp="1"/>
-          </p:cNvSpPr>
-          <p:nvPr>
-            <p:ph idx="1"/>
-          </p:nvPr>
-        </p:nvSpPr>
-        <p:spPr/>
-        <p:txBody>
-          <a:bodyPr/>
-          <a:lstStyle/>
-          <a:p>
-            <a:endParaRPr lang="pt-BR"/>
+        <p:style>
+          <a:lnRef idx="3">
+            <a:schemeClr val="dk1"/>
+          </a:lnRef>
+          <a:fillRef idx="0">
+            <a:schemeClr val="dk1"/>
+          </a:fillRef>
+          <a:effectRef idx="2">
+            <a:schemeClr val="dk1"/>
+          </a:effectRef>
+          <a:fontRef idx="minor">
+            <a:schemeClr val="tx1"/>
+          </a:fontRef>
+        </p:style>
+      </p:cxnSp>
+      <p:sp>
+        <p:nvSpPr>
+          <p:cNvPr id="16" name="CaixaDeTexto 15"/>
+          <p:cNvSpPr txBox="1"/>
+          <p:nvPr/>
+        </p:nvSpPr>
+        <p:spPr>
+          <a:xfrm>
+            <a:off x="530679" y="155121"/>
+            <a:ext cx="6262008" cy="523220"/>
+          </a:xfrm>
+          <a:prstGeom prst="rect">
+            <a:avLst/>
+          </a:prstGeom>
+          <a:noFill/>
+        </p:spPr>
+        <p:txBody>
+          <a:bodyPr wrap="square" rtlCol="0">
+            <a:spAutoFit/>
+          </a:bodyPr>
+          <a:lstStyle/>
+          <a:p>
+            <a:r>
+              <a:rPr lang="pt-BR" sz="2800" b="1" dirty="0" smtClean="0">
+                <a:solidFill>
+                  <a:srgbClr val="00B050"/>
+                </a:solidFill>
+              </a:rPr>
+              <a:t>PAIR PROGROMMING</a:t>
+            </a:r>
+            <a:endParaRPr lang="pt-BR" sz="2800" b="1" dirty="0">
+              <a:solidFill>
+                <a:srgbClr val="00B050"/>
+              </a:solidFill>
+            </a:endParaRPr>
+          </a:p>
+        </p:txBody>
+      </p:sp>
+      <p:pic>
+        <p:nvPicPr>
+          <p:cNvPr id="1026" name="Picture 2" descr="C:\Users\Ricardo\Desktop\imagem-pair_programming.png"/>
+          <p:cNvPicPr>
+            <a:picLocks noChangeAspect="1" noChangeArrowheads="1"/>
+          </p:cNvPicPr>
+          <p:nvPr/>
+        </p:nvPicPr>
+        <p:blipFill>
+          <a:blip r:embed="rId2">
+            <a:extLst>
+              <a:ext uri="{28A0092B-C50C-407E-A947-70E740481C1C}">
+                <a14:useLocalDpi xmlns:a14="http://schemas.microsoft.com/office/drawing/2010/main" val="0"/>
+              </a:ext>
+            </a:extLst>
+          </a:blip>
+          <a:srcRect/>
+          <a:stretch>
+            <a:fillRect/>
+          </a:stretch>
+        </p:blipFill>
+        <p:spPr bwMode="auto">
+          <a:xfrm>
+            <a:off x="530679" y="1951262"/>
+            <a:ext cx="5128413" cy="3455269"/>
+          </a:xfrm>
+          <a:prstGeom prst="rect">
+            <a:avLst/>
+          </a:prstGeom>
+          <a:noFill/>
+          <a:extLst>
+            <a:ext uri="{909E8E84-426E-40DD-AFC4-6F175D3DCCD1}">
+              <a14:hiddenFill xmlns:a14="http://schemas.microsoft.com/office/drawing/2010/main">
+                <a:solidFill>
+                  <a:srgbClr val="FFFFFF"/>
+                </a:solidFill>
+              </a14:hiddenFill>
+            </a:ext>
+          </a:extLst>
+        </p:spPr>
+      </p:pic>
+      <p:sp>
+        <p:nvSpPr>
+          <p:cNvPr id="17" name="CaixaDeTexto 16"/>
+          <p:cNvSpPr txBox="1"/>
+          <p:nvPr/>
+        </p:nvSpPr>
+        <p:spPr>
+          <a:xfrm>
+            <a:off x="6164035" y="2451901"/>
+            <a:ext cx="5412922" cy="2062103"/>
+          </a:xfrm>
+          <a:prstGeom prst="rect">
+            <a:avLst/>
+          </a:prstGeom>
+          <a:noFill/>
+        </p:spPr>
+        <p:txBody>
+          <a:bodyPr wrap="square" rtlCol="0">
+            <a:spAutoFit/>
+          </a:bodyPr>
+          <a:lstStyle/>
+          <a:p>
+            <a:r>
+              <a:rPr lang="pt-BR" sz="3200" dirty="0" smtClean="0"/>
+              <a:t>Técnica do desenvolvimento ágil de software onde dois programadores trabalham juntos no mesmo computador.</a:t>
+            </a:r>
+            <a:endParaRPr lang="pt-BR" sz="3200" dirty="0"/>
           </a:p>
         </p:txBody>
       </p:sp>
@@ -3663,6 +3758,549 @@
     <p:extLst>
       <p:ext uri="{BB962C8B-B14F-4D97-AF65-F5344CB8AC3E}">
         <p14:creationId xmlns:p14="http://schemas.microsoft.com/office/powerpoint/2010/main" val="2880499403"/>
+      </p:ext>
+    </p:extLst>
+  </p:cSld>
+  <p:clrMapOvr>
+    <a:masterClrMapping/>
+  </p:clrMapOvr>
+  <p:timing>
+    <p:tnLst>
+      <p:par>
+        <p:cTn id="1" dur="indefinite" restart="never" nodeType="tmRoot"/>
+      </p:par>
+    </p:tnLst>
+  </p:timing>
+</p:sld>
+</file>
+
+<file path=ppt/slides/slide4.xml><?xml version="1.0" encoding="utf-8"?>
+<p:sld xmlns:a="http://schemas.openxmlformats.org/drawingml/2006/main" xmlns:r="http://schemas.openxmlformats.org/officeDocument/2006/relationships" xmlns:p="http://schemas.openxmlformats.org/presentationml/2006/main">
+  <p:cSld>
+    <p:spTree>
+      <p:nvGrpSpPr>
+        <p:cNvPr id="1" name=""/>
+        <p:cNvGrpSpPr/>
+        <p:nvPr/>
+      </p:nvGrpSpPr>
+      <p:grpSpPr>
+        <a:xfrm>
+          <a:off x="0" y="0"/>
+          <a:ext cx="0" cy="0"/>
+          <a:chOff x="0" y="0"/>
+          <a:chExt cx="0" cy="0"/>
+        </a:xfrm>
+      </p:grpSpPr>
+      <p:cxnSp>
+        <p:nvCxnSpPr>
+          <p:cNvPr id="14" name="Conector reto 13"/>
+          <p:cNvCxnSpPr/>
+          <p:nvPr/>
+        </p:nvCxnSpPr>
+        <p:spPr>
+          <a:xfrm>
+            <a:off x="530679" y="824593"/>
+            <a:ext cx="11046278" cy="0"/>
+          </a:xfrm>
+          <a:prstGeom prst="line">
+            <a:avLst/>
+          </a:prstGeom>
+        </p:spPr>
+        <p:style>
+          <a:lnRef idx="3">
+            <a:schemeClr val="dk1"/>
+          </a:lnRef>
+          <a:fillRef idx="0">
+            <a:schemeClr val="dk1"/>
+          </a:fillRef>
+          <a:effectRef idx="2">
+            <a:schemeClr val="dk1"/>
+          </a:effectRef>
+          <a:fontRef idx="minor">
+            <a:schemeClr val="tx1"/>
+          </a:fontRef>
+        </p:style>
+      </p:cxnSp>
+      <p:sp>
+        <p:nvSpPr>
+          <p:cNvPr id="16" name="CaixaDeTexto 15"/>
+          <p:cNvSpPr txBox="1"/>
+          <p:nvPr/>
+        </p:nvSpPr>
+        <p:spPr>
+          <a:xfrm>
+            <a:off x="530679" y="155121"/>
+            <a:ext cx="6262008" cy="523220"/>
+          </a:xfrm>
+          <a:prstGeom prst="rect">
+            <a:avLst/>
+          </a:prstGeom>
+          <a:noFill/>
+        </p:spPr>
+        <p:txBody>
+          <a:bodyPr wrap="square" rtlCol="0">
+            <a:spAutoFit/>
+          </a:bodyPr>
+          <a:lstStyle/>
+          <a:p>
+            <a:r>
+              <a:rPr lang="pt-BR" sz="2800" b="1" dirty="0" smtClean="0">
+                <a:solidFill>
+                  <a:srgbClr val="00B050"/>
+                </a:solidFill>
+              </a:rPr>
+              <a:t>PAIR PROGROMMING</a:t>
+            </a:r>
+            <a:endParaRPr lang="pt-BR" sz="2800" b="1" dirty="0">
+              <a:solidFill>
+                <a:srgbClr val="00B050"/>
+              </a:solidFill>
+            </a:endParaRPr>
+          </a:p>
+        </p:txBody>
+      </p:sp>
+      <p:pic>
+        <p:nvPicPr>
+          <p:cNvPr id="2050" name="Picture 2" descr="C:\Users\Ricardo\Desktop\imagem-piloto.png"/>
+          <p:cNvPicPr>
+            <a:picLocks noChangeAspect="1" noChangeArrowheads="1"/>
+          </p:cNvPicPr>
+          <p:nvPr/>
+        </p:nvPicPr>
+        <p:blipFill>
+          <a:blip r:embed="rId2">
+            <a:extLst>
+              <a:ext uri="{28A0092B-C50C-407E-A947-70E740481C1C}">
+                <a14:useLocalDpi xmlns:a14="http://schemas.microsoft.com/office/drawing/2010/main" val="0"/>
+              </a:ext>
+            </a:extLst>
+          </a:blip>
+          <a:srcRect/>
+          <a:stretch>
+            <a:fillRect/>
+          </a:stretch>
+        </p:blipFill>
+        <p:spPr bwMode="auto">
+          <a:xfrm>
+            <a:off x="482600" y="2141538"/>
+            <a:ext cx="4772025" cy="3181350"/>
+          </a:xfrm>
+          <a:prstGeom prst="rect">
+            <a:avLst/>
+          </a:prstGeom>
+          <a:noFill/>
+          <a:extLst>
+            <a:ext uri="{909E8E84-426E-40DD-AFC4-6F175D3DCCD1}">
+              <a14:hiddenFill xmlns:a14="http://schemas.microsoft.com/office/drawing/2010/main">
+                <a:solidFill>
+                  <a:srgbClr val="FFFFFF"/>
+                </a:solidFill>
+              </a14:hiddenFill>
+            </a:ext>
+          </a:extLst>
+        </p:spPr>
+      </p:pic>
+      <p:sp>
+        <p:nvSpPr>
+          <p:cNvPr id="2" name="CaixaDeTexto 1"/>
+          <p:cNvSpPr txBox="1"/>
+          <p:nvPr/>
+        </p:nvSpPr>
+        <p:spPr>
+          <a:xfrm>
+            <a:off x="5845629" y="1281793"/>
+            <a:ext cx="5919107" cy="4893647"/>
+          </a:xfrm>
+          <a:prstGeom prst="rect">
+            <a:avLst/>
+          </a:prstGeom>
+          <a:noFill/>
+        </p:spPr>
+        <p:txBody>
+          <a:bodyPr wrap="square" rtlCol="0">
+            <a:spAutoFit/>
+          </a:bodyPr>
+          <a:lstStyle/>
+          <a:p>
+            <a:r>
+              <a:rPr lang="pt-BR" sz="2400" dirty="0" smtClean="0"/>
+              <a:t>É dividido em dois papéis: piloto e </a:t>
+            </a:r>
+            <a:r>
+              <a:rPr lang="pt-BR" sz="2400" dirty="0" err="1" smtClean="0"/>
+              <a:t>co-piloto</a:t>
+            </a:r>
+            <a:r>
+              <a:rPr lang="pt-BR" sz="2400" dirty="0" smtClean="0"/>
+              <a:t>.</a:t>
+            </a:r>
+          </a:p>
+          <a:p>
+            <a:endParaRPr lang="pt-BR" sz="2400" dirty="0"/>
+          </a:p>
+          <a:p>
+            <a:r>
+              <a:rPr lang="pt-BR" sz="2400" b="1" dirty="0" smtClean="0"/>
+              <a:t>Piloto</a:t>
+            </a:r>
+          </a:p>
+          <a:p>
+            <a:endParaRPr lang="pt-BR" sz="2400" b="1" dirty="0"/>
+          </a:p>
+          <a:p>
+            <a:pPr marL="285750" indent="-285750">
+              <a:buFont typeface="Arial" panose="020B0604020202020204" pitchFamily="34" charset="0"/>
+              <a:buChar char="•"/>
+            </a:pPr>
+            <a:r>
+              <a:rPr lang="pt-BR" sz="2400" dirty="0" smtClean="0"/>
+              <a:t>Controla o teclado</a:t>
+            </a:r>
+          </a:p>
+          <a:p>
+            <a:pPr marL="285750" indent="-285750">
+              <a:buFont typeface="Arial" panose="020B0604020202020204" pitchFamily="34" charset="0"/>
+              <a:buChar char="•"/>
+            </a:pPr>
+            <a:r>
+              <a:rPr lang="pt-BR" sz="2400" dirty="0" smtClean="0"/>
+              <a:t>Diz em voz alta o que esta pensando em fazer</a:t>
+            </a:r>
+          </a:p>
+          <a:p>
+            <a:pPr marL="285750" indent="-285750">
+              <a:buFont typeface="Arial" panose="020B0604020202020204" pitchFamily="34" charset="0"/>
+              <a:buChar char="•"/>
+            </a:pPr>
+            <a:endParaRPr lang="pt-BR" sz="2400" dirty="0"/>
+          </a:p>
+          <a:p>
+            <a:r>
+              <a:rPr lang="pt-BR" sz="2400" b="1" dirty="0" err="1" smtClean="0"/>
+              <a:t>Co-piloto</a:t>
+            </a:r>
+            <a:endParaRPr lang="pt-BR" sz="2400" b="1" dirty="0" smtClean="0"/>
+          </a:p>
+          <a:p>
+            <a:endParaRPr lang="pt-BR" sz="2400" b="1" dirty="0"/>
+          </a:p>
+          <a:p>
+            <a:pPr marL="285750" indent="-285750">
+              <a:buFont typeface="Arial" panose="020B0604020202020204" pitchFamily="34" charset="0"/>
+              <a:buChar char="•"/>
+            </a:pPr>
+            <a:r>
+              <a:rPr lang="pt-BR" sz="2400" dirty="0" smtClean="0"/>
+              <a:t>Foca nas regras de negócio</a:t>
+            </a:r>
+          </a:p>
+          <a:p>
+            <a:pPr marL="285750" indent="-285750">
+              <a:buFont typeface="Arial" panose="020B0604020202020204" pitchFamily="34" charset="0"/>
+              <a:buChar char="•"/>
+            </a:pPr>
+            <a:r>
+              <a:rPr lang="pt-BR" sz="2400" dirty="0" smtClean="0"/>
+              <a:t>Ajuda a refletir sobre o design do código, testes e pontos desapercebidos.</a:t>
+            </a:r>
+            <a:endParaRPr lang="pt-BR" sz="2400" dirty="0"/>
+          </a:p>
+        </p:txBody>
+      </p:sp>
+    </p:spTree>
+    <p:extLst>
+      <p:ext uri="{BB962C8B-B14F-4D97-AF65-F5344CB8AC3E}">
+        <p14:creationId xmlns:p14="http://schemas.microsoft.com/office/powerpoint/2010/main" val="3788074446"/>
+      </p:ext>
+    </p:extLst>
+  </p:cSld>
+  <p:clrMapOvr>
+    <a:masterClrMapping/>
+  </p:clrMapOvr>
+  <p:timing>
+    <p:tnLst>
+      <p:par>
+        <p:cTn id="1" dur="indefinite" restart="never" nodeType="tmRoot"/>
+      </p:par>
+    </p:tnLst>
+  </p:timing>
+</p:sld>
+</file>
+
+<file path=ppt/slides/slide5.xml><?xml version="1.0" encoding="utf-8"?>
+<p:sld xmlns:a="http://schemas.openxmlformats.org/drawingml/2006/main" xmlns:r="http://schemas.openxmlformats.org/officeDocument/2006/relationships" xmlns:p="http://schemas.openxmlformats.org/presentationml/2006/main">
+  <p:cSld>
+    <p:spTree>
+      <p:nvGrpSpPr>
+        <p:cNvPr id="1" name=""/>
+        <p:cNvGrpSpPr/>
+        <p:nvPr/>
+      </p:nvGrpSpPr>
+      <p:grpSpPr>
+        <a:xfrm>
+          <a:off x="0" y="0"/>
+          <a:ext cx="0" cy="0"/>
+          <a:chOff x="0" y="0"/>
+          <a:chExt cx="0" cy="0"/>
+        </a:xfrm>
+      </p:grpSpPr>
+      <p:cxnSp>
+        <p:nvCxnSpPr>
+          <p:cNvPr id="14" name="Conector reto 13"/>
+          <p:cNvCxnSpPr/>
+          <p:nvPr/>
+        </p:nvCxnSpPr>
+        <p:spPr>
+          <a:xfrm>
+            <a:off x="530679" y="824593"/>
+            <a:ext cx="11046278" cy="0"/>
+          </a:xfrm>
+          <a:prstGeom prst="line">
+            <a:avLst/>
+          </a:prstGeom>
+        </p:spPr>
+        <p:style>
+          <a:lnRef idx="3">
+            <a:schemeClr val="dk1"/>
+          </a:lnRef>
+          <a:fillRef idx="0">
+            <a:schemeClr val="dk1"/>
+          </a:fillRef>
+          <a:effectRef idx="2">
+            <a:schemeClr val="dk1"/>
+          </a:effectRef>
+          <a:fontRef idx="minor">
+            <a:schemeClr val="tx1"/>
+          </a:fontRef>
+        </p:style>
+      </p:cxnSp>
+      <p:sp>
+        <p:nvSpPr>
+          <p:cNvPr id="16" name="CaixaDeTexto 15"/>
+          <p:cNvSpPr txBox="1"/>
+          <p:nvPr/>
+        </p:nvSpPr>
+        <p:spPr>
+          <a:xfrm>
+            <a:off x="530679" y="155121"/>
+            <a:ext cx="6262008" cy="523220"/>
+          </a:xfrm>
+          <a:prstGeom prst="rect">
+            <a:avLst/>
+          </a:prstGeom>
+          <a:noFill/>
+        </p:spPr>
+        <p:txBody>
+          <a:bodyPr wrap="square" rtlCol="0">
+            <a:spAutoFit/>
+          </a:bodyPr>
+          <a:lstStyle/>
+          <a:p>
+            <a:r>
+              <a:rPr lang="pt-BR" sz="2800" b="1" dirty="0" smtClean="0">
+                <a:solidFill>
+                  <a:srgbClr val="00B050"/>
+                </a:solidFill>
+              </a:rPr>
+              <a:t>PAIR PROGROMMING</a:t>
+            </a:r>
+            <a:endParaRPr lang="pt-BR" sz="2800" b="1" dirty="0">
+              <a:solidFill>
+                <a:srgbClr val="00B050"/>
+              </a:solidFill>
+            </a:endParaRPr>
+          </a:p>
+        </p:txBody>
+      </p:sp>
+      <p:pic>
+        <p:nvPicPr>
+          <p:cNvPr id="3074" name="Picture 2" descr="C:\Users\Ricardo\Desktop\ladobomeruim.jpg"/>
+          <p:cNvPicPr>
+            <a:picLocks noChangeAspect="1" noChangeArrowheads="1"/>
+          </p:cNvPicPr>
+          <p:nvPr/>
+        </p:nvPicPr>
+        <p:blipFill>
+          <a:blip r:embed="rId2">
+            <a:extLst>
+              <a:ext uri="{28A0092B-C50C-407E-A947-70E740481C1C}">
+                <a14:useLocalDpi xmlns:a14="http://schemas.microsoft.com/office/drawing/2010/main" val="0"/>
+              </a:ext>
+            </a:extLst>
+          </a:blip>
+          <a:srcRect/>
+          <a:stretch>
+            <a:fillRect/>
+          </a:stretch>
+        </p:blipFill>
+        <p:spPr bwMode="auto">
+          <a:xfrm>
+            <a:off x="2491463" y="1466219"/>
+            <a:ext cx="7124701" cy="4038600"/>
+          </a:xfrm>
+          <a:prstGeom prst="rect">
+            <a:avLst/>
+          </a:prstGeom>
+          <a:noFill/>
+          <a:extLst>
+            <a:ext uri="{909E8E84-426E-40DD-AFC4-6F175D3DCCD1}">
+              <a14:hiddenFill xmlns:a14="http://schemas.microsoft.com/office/drawing/2010/main">
+                <a:solidFill>
+                  <a:srgbClr val="FFFFFF"/>
+                </a:solidFill>
+              </a14:hiddenFill>
+            </a:ext>
+          </a:extLst>
+        </p:spPr>
+      </p:pic>
+      <p:sp>
+        <p:nvSpPr>
+          <p:cNvPr id="3" name="CaixaDeTexto 2"/>
+          <p:cNvSpPr txBox="1"/>
+          <p:nvPr/>
+        </p:nvSpPr>
+        <p:spPr>
+          <a:xfrm>
+            <a:off x="2491463" y="5829300"/>
+            <a:ext cx="7124701" cy="584775"/>
+          </a:xfrm>
+          <a:prstGeom prst="rect">
+            <a:avLst/>
+          </a:prstGeom>
+          <a:noFill/>
+        </p:spPr>
+        <p:txBody>
+          <a:bodyPr wrap="square" rtlCol="0">
+            <a:spAutoFit/>
+          </a:bodyPr>
+          <a:lstStyle/>
+          <a:p>
+            <a:pPr algn="ctr"/>
+            <a:r>
+              <a:rPr lang="pt-BR" sz="3200" dirty="0" smtClean="0">
+                <a:solidFill>
+                  <a:srgbClr val="002060"/>
+                </a:solidFill>
+              </a:rPr>
+              <a:t>O Lado Bom e o Ruim</a:t>
+            </a:r>
+            <a:endParaRPr lang="pt-BR" sz="3200" dirty="0">
+              <a:solidFill>
+                <a:srgbClr val="002060"/>
+              </a:solidFill>
+            </a:endParaRPr>
+          </a:p>
+        </p:txBody>
+      </p:sp>
+    </p:spTree>
+    <p:extLst>
+      <p:ext uri="{BB962C8B-B14F-4D97-AF65-F5344CB8AC3E}">
+        <p14:creationId xmlns:p14="http://schemas.microsoft.com/office/powerpoint/2010/main" val="360122698"/>
+      </p:ext>
+    </p:extLst>
+  </p:cSld>
+  <p:clrMapOvr>
+    <a:masterClrMapping/>
+  </p:clrMapOvr>
+  <p:timing>
+    <p:tnLst>
+      <p:par>
+        <p:cTn id="1" dur="indefinite" restart="never" nodeType="tmRoot"/>
+      </p:par>
+    </p:tnLst>
+  </p:timing>
+</p:sld>
+</file>
+
+<file path=ppt/slides/slide6.xml><?xml version="1.0" encoding="utf-8"?>
+<p:sld xmlns:a="http://schemas.openxmlformats.org/drawingml/2006/main" xmlns:r="http://schemas.openxmlformats.org/officeDocument/2006/relationships" xmlns:p="http://schemas.openxmlformats.org/presentationml/2006/main">
+  <p:cSld>
+    <p:spTree>
+      <p:nvGrpSpPr>
+        <p:cNvPr id="1" name=""/>
+        <p:cNvGrpSpPr/>
+        <p:nvPr/>
+      </p:nvGrpSpPr>
+      <p:grpSpPr>
+        <a:xfrm>
+          <a:off x="0" y="0"/>
+          <a:ext cx="0" cy="0"/>
+          <a:chOff x="0" y="0"/>
+          <a:chExt cx="0" cy="0"/>
+        </a:xfrm>
+      </p:grpSpPr>
+      <p:cxnSp>
+        <p:nvCxnSpPr>
+          <p:cNvPr id="14" name="Conector reto 13"/>
+          <p:cNvCxnSpPr/>
+          <p:nvPr/>
+        </p:nvCxnSpPr>
+        <p:spPr>
+          <a:xfrm>
+            <a:off x="530679" y="824593"/>
+            <a:ext cx="11046278" cy="0"/>
+          </a:xfrm>
+          <a:prstGeom prst="line">
+            <a:avLst/>
+          </a:prstGeom>
+        </p:spPr>
+        <p:style>
+          <a:lnRef idx="3">
+            <a:schemeClr val="dk1"/>
+          </a:lnRef>
+          <a:fillRef idx="0">
+            <a:schemeClr val="dk1"/>
+          </a:fillRef>
+          <a:effectRef idx="2">
+            <a:schemeClr val="dk1"/>
+          </a:effectRef>
+          <a:fontRef idx="minor">
+            <a:schemeClr val="tx1"/>
+          </a:fontRef>
+        </p:style>
+      </p:cxnSp>
+      <p:sp>
+        <p:nvSpPr>
+          <p:cNvPr id="16" name="CaixaDeTexto 15"/>
+          <p:cNvSpPr txBox="1"/>
+          <p:nvPr/>
+        </p:nvSpPr>
+        <p:spPr>
+          <a:xfrm>
+            <a:off x="530679" y="155121"/>
+            <a:ext cx="6262008" cy="523220"/>
+          </a:xfrm>
+          <a:prstGeom prst="rect">
+            <a:avLst/>
+          </a:prstGeom>
+          <a:noFill/>
+        </p:spPr>
+        <p:txBody>
+          <a:bodyPr wrap="square" rtlCol="0">
+            <a:spAutoFit/>
+          </a:bodyPr>
+          <a:lstStyle/>
+          <a:p>
+            <a:r>
+              <a:rPr lang="pt-BR" sz="2800" b="1" dirty="0" smtClean="0">
+                <a:solidFill>
+                  <a:srgbClr val="00B050"/>
+                </a:solidFill>
+              </a:rPr>
+              <a:t>PAIR PROGROMMING</a:t>
+            </a:r>
+            <a:endParaRPr lang="pt-BR" sz="2800" b="1" dirty="0">
+              <a:solidFill>
+                <a:srgbClr val="00B050"/>
+              </a:solidFill>
+            </a:endParaRPr>
+          </a:p>
+        </p:txBody>
+      </p:sp>
+    </p:spTree>
+    <p:extLst>
+      <p:ext uri="{BB962C8B-B14F-4D97-AF65-F5344CB8AC3E}">
+        <p14:creationId xmlns:p14="http://schemas.microsoft.com/office/powerpoint/2010/main" val="3032416955"/>
       </p:ext>
     </p:extLst>
   </p:cSld>
@@ -4187,7 +4825,7 @@
   <a:extraClrSchemeLst/>
   <a:extLst>
     <a:ext uri="{05A4C25C-085E-4340-85A3-A5531E510DB2}">
-      <thm15:themeFamily xmlns:thm15="http://schemas.microsoft.com/office/thememl/2012/main" name="Office Theme" id="{62F939B6-93AF-4DB8-9C6B-D6C7DFDC589F}" vid="{4A3C46E8-61CC-4603-A589-7422A47A8E4A}"/>
+      <thm15:themeFamily xmlns:thm15="http://schemas.microsoft.com/office/thememl/2012/main" xmlns="" name="Office Theme" id="{62F939B6-93AF-4DB8-9C6B-D6C7DFDC589F}" vid="{4A3C46E8-61CC-4603-A589-7422A47A8E4A}"/>
     </a:ext>
   </a:extLst>
 </a:theme>

--- a/Apresentação-PairProgramming.pptx
+++ b/Apresentação-PairProgramming.pptx
@@ -5,7 +5,7 @@
     <p:sldMasterId id="2147483708" r:id="rId1"/>
   </p:sldMasterIdLst>
   <p:notesMasterIdLst>
-    <p:notesMasterId r:id="rId8"/>
+    <p:notesMasterId r:id="rId13"/>
   </p:notesMasterIdLst>
   <p:sldIdLst>
     <p:sldId id="256" r:id="rId2"/>
@@ -14,6 +14,11 @@
     <p:sldId id="259" r:id="rId5"/>
     <p:sldId id="260" r:id="rId6"/>
     <p:sldId id="261" r:id="rId7"/>
+    <p:sldId id="262" r:id="rId8"/>
+    <p:sldId id="263" r:id="rId9"/>
+    <p:sldId id="264" r:id="rId10"/>
+    <p:sldId id="265" r:id="rId11"/>
+    <p:sldId id="266" r:id="rId12"/>
   </p:sldIdLst>
   <p:sldSz cx="12192000" cy="6858000"/>
   <p:notesSz cx="6858000" cy="9144000"/>
@@ -112,6 +117,22 @@
       </a:defRPr>
     </a:lvl9pPr>
   </p:defaultTextStyle>
+  <p:extLst>
+    <p:ext uri="{EFAFB233-063F-42B5-8137-9DF3F51BA10A}">
+      <p15:sldGuideLst xmlns:p15="http://schemas.microsoft.com/office/powerpoint/2012/main">
+        <p15:guide id="1" orient="horz" pos="2160">
+          <p15:clr>
+            <a:srgbClr val="A4A3A4"/>
+          </p15:clr>
+        </p15:guide>
+        <p15:guide id="2" pos="3840">
+          <p15:clr>
+            <a:srgbClr val="A4A3A4"/>
+          </p15:clr>
+        </p15:guide>
+      </p15:sldGuideLst>
+    </p:ext>
+  </p:extLst>
 </p:presentation>
 </file>
 
@@ -3410,6 +3431,344 @@
 </p:sld>
 </file>
 
+<file path=ppt/slides/slide10.xml><?xml version="1.0" encoding="utf-8"?>
+<p:sld xmlns:a="http://schemas.openxmlformats.org/drawingml/2006/main" xmlns:r="http://schemas.openxmlformats.org/officeDocument/2006/relationships" xmlns:p="http://schemas.openxmlformats.org/presentationml/2006/main">
+  <p:cSld>
+    <p:spTree>
+      <p:nvGrpSpPr>
+        <p:cNvPr id="1" name=""/>
+        <p:cNvGrpSpPr/>
+        <p:nvPr/>
+      </p:nvGrpSpPr>
+      <p:grpSpPr>
+        <a:xfrm>
+          <a:off x="0" y="0"/>
+          <a:ext cx="0" cy="0"/>
+          <a:chOff x="0" y="0"/>
+          <a:chExt cx="0" cy="0"/>
+        </a:xfrm>
+      </p:grpSpPr>
+      <p:cxnSp>
+        <p:nvCxnSpPr>
+          <p:cNvPr id="14" name="Conector reto 13"/>
+          <p:cNvCxnSpPr/>
+          <p:nvPr/>
+        </p:nvCxnSpPr>
+        <p:spPr>
+          <a:xfrm>
+            <a:off x="530679" y="824593"/>
+            <a:ext cx="11046278" cy="0"/>
+          </a:xfrm>
+          <a:prstGeom prst="line">
+            <a:avLst/>
+          </a:prstGeom>
+        </p:spPr>
+        <p:style>
+          <a:lnRef idx="3">
+            <a:schemeClr val="dk1"/>
+          </a:lnRef>
+          <a:fillRef idx="0">
+            <a:schemeClr val="dk1"/>
+          </a:fillRef>
+          <a:effectRef idx="2">
+            <a:schemeClr val="dk1"/>
+          </a:effectRef>
+          <a:fontRef idx="minor">
+            <a:schemeClr val="tx1"/>
+          </a:fontRef>
+        </p:style>
+      </p:cxnSp>
+      <p:sp>
+        <p:nvSpPr>
+          <p:cNvPr id="16" name="CaixaDeTexto 15"/>
+          <p:cNvSpPr txBox="1"/>
+          <p:nvPr/>
+        </p:nvSpPr>
+        <p:spPr>
+          <a:xfrm>
+            <a:off x="530679" y="155121"/>
+            <a:ext cx="6262008" cy="523220"/>
+          </a:xfrm>
+          <a:prstGeom prst="rect">
+            <a:avLst/>
+          </a:prstGeom>
+          <a:noFill/>
+        </p:spPr>
+        <p:txBody>
+          <a:bodyPr wrap="square" rtlCol="0">
+            <a:spAutoFit/>
+          </a:bodyPr>
+          <a:lstStyle/>
+          <a:p>
+            <a:r>
+              <a:rPr lang="pt-BR" sz="2800" b="1" dirty="0" smtClean="0">
+                <a:solidFill>
+                  <a:srgbClr val="00B050"/>
+                </a:solidFill>
+              </a:rPr>
+              <a:t>PAIR </a:t>
+            </a:r>
+            <a:r>
+              <a:rPr lang="pt-BR" sz="2800" b="1" dirty="0" smtClean="0">
+                <a:solidFill>
+                  <a:srgbClr val="00B050"/>
+                </a:solidFill>
+              </a:rPr>
+              <a:t>PROGRAMMING: O LADO RUIM</a:t>
+            </a:r>
+            <a:endParaRPr lang="pt-BR" sz="2800" b="1" dirty="0">
+              <a:solidFill>
+                <a:srgbClr val="00B050"/>
+              </a:solidFill>
+            </a:endParaRPr>
+          </a:p>
+        </p:txBody>
+      </p:sp>
+      <p:pic>
+        <p:nvPicPr>
+          <p:cNvPr id="2" name="Imagem 1"/>
+          <p:cNvPicPr>
+            <a:picLocks noChangeAspect="1"/>
+          </p:cNvPicPr>
+          <p:nvPr/>
+        </p:nvPicPr>
+        <p:blipFill>
+          <a:blip r:embed="rId2">
+            <a:extLst>
+              <a:ext uri="{28A0092B-C50C-407E-A947-70E740481C1C}">
+                <a14:useLocalDpi xmlns:a14="http://schemas.microsoft.com/office/drawing/2010/main" val="0"/>
+              </a:ext>
+            </a:extLst>
+          </a:blip>
+          <a:stretch>
+            <a:fillRect/>
+          </a:stretch>
+        </p:blipFill>
+        <p:spPr>
+          <a:xfrm>
+            <a:off x="530679" y="2050943"/>
+            <a:ext cx="4783959" cy="3280429"/>
+          </a:xfrm>
+          <a:prstGeom prst="rect">
+            <a:avLst/>
+          </a:prstGeom>
+        </p:spPr>
+      </p:pic>
+      <p:sp>
+        <p:nvSpPr>
+          <p:cNvPr id="5" name="CaixaDeTexto 4"/>
+          <p:cNvSpPr txBox="1"/>
+          <p:nvPr/>
+        </p:nvSpPr>
+        <p:spPr>
+          <a:xfrm>
+            <a:off x="5749159" y="1345324"/>
+            <a:ext cx="5980386" cy="4401205"/>
+          </a:xfrm>
+          <a:prstGeom prst="rect">
+            <a:avLst/>
+          </a:prstGeom>
+          <a:noFill/>
+        </p:spPr>
+        <p:txBody>
+          <a:bodyPr wrap="square" rtlCol="0">
+            <a:spAutoFit/>
+          </a:bodyPr>
+          <a:lstStyle/>
+          <a:p>
+            <a:r>
+              <a:rPr lang="pt-BR" sz="2800" b="1" dirty="0" smtClean="0"/>
+              <a:t>Piloto e </a:t>
+            </a:r>
+            <a:r>
+              <a:rPr lang="pt-BR" sz="2800" b="1" dirty="0" err="1" smtClean="0"/>
+              <a:t>Co-Piloto</a:t>
+            </a:r>
+            <a:endParaRPr lang="pt-BR" sz="2800" b="1" dirty="0" smtClean="0"/>
+          </a:p>
+          <a:p>
+            <a:endParaRPr lang="pt-BR" sz="2800" dirty="0"/>
+          </a:p>
+          <a:p>
+            <a:pPr marL="285750" indent="-285750">
+              <a:buFont typeface="Arial" panose="020B0604020202020204" pitchFamily="34" charset="0"/>
+              <a:buChar char="•"/>
+            </a:pPr>
+            <a:r>
+              <a:rPr lang="pt-BR" sz="2800" dirty="0" smtClean="0"/>
+              <a:t>Não dar tempo para o outro pensar</a:t>
+            </a:r>
+          </a:p>
+          <a:p>
+            <a:pPr marL="285750" indent="-285750">
+              <a:buFont typeface="Arial" panose="020B0604020202020204" pitchFamily="34" charset="0"/>
+              <a:buChar char="•"/>
+            </a:pPr>
+            <a:endParaRPr lang="pt-BR" sz="2800" dirty="0"/>
+          </a:p>
+          <a:p>
+            <a:pPr marL="285750" indent="-285750">
+              <a:buFont typeface="Arial" panose="020B0604020202020204" pitchFamily="34" charset="0"/>
+              <a:buChar char="•"/>
+            </a:pPr>
+            <a:r>
+              <a:rPr lang="pt-BR" sz="2800" dirty="0" smtClean="0"/>
+              <a:t>Ignorar a ideia do par ou impor a própria ideia</a:t>
+            </a:r>
+          </a:p>
+          <a:p>
+            <a:pPr marL="285750" indent="-285750">
+              <a:buFont typeface="Arial" panose="020B0604020202020204" pitchFamily="34" charset="0"/>
+              <a:buChar char="•"/>
+            </a:pPr>
+            <a:endParaRPr lang="pt-BR" sz="2800" dirty="0"/>
+          </a:p>
+          <a:p>
+            <a:pPr marL="285750" indent="-285750">
+              <a:buFont typeface="Arial" panose="020B0604020202020204" pitchFamily="34" charset="0"/>
+              <a:buChar char="•"/>
+            </a:pPr>
+            <a:r>
+              <a:rPr lang="pt-BR" sz="2800" dirty="0" smtClean="0"/>
+              <a:t>Deve entender que o código produzido é coletivo e não sua propriedade</a:t>
+            </a:r>
+            <a:endParaRPr lang="pt-BR" sz="2800" dirty="0"/>
+          </a:p>
+        </p:txBody>
+      </p:sp>
+    </p:spTree>
+    <p:extLst>
+      <p:ext uri="{BB962C8B-B14F-4D97-AF65-F5344CB8AC3E}">
+        <p14:creationId xmlns:p14="http://schemas.microsoft.com/office/powerpoint/2010/main" val="60797473"/>
+      </p:ext>
+    </p:extLst>
+  </p:cSld>
+  <p:clrMapOvr>
+    <a:masterClrMapping/>
+  </p:clrMapOvr>
+  <p:timing>
+    <p:tnLst>
+      <p:par>
+        <p:cTn id="1" dur="indefinite" restart="never" nodeType="tmRoot"/>
+      </p:par>
+    </p:tnLst>
+  </p:timing>
+</p:sld>
+</file>
+
+<file path=ppt/slides/slide11.xml><?xml version="1.0" encoding="utf-8"?>
+<p:sld xmlns:a="http://schemas.openxmlformats.org/drawingml/2006/main" xmlns:r="http://schemas.openxmlformats.org/officeDocument/2006/relationships" xmlns:p="http://schemas.openxmlformats.org/presentationml/2006/main">
+  <p:cSld>
+    <p:spTree>
+      <p:nvGrpSpPr>
+        <p:cNvPr id="1" name=""/>
+        <p:cNvGrpSpPr/>
+        <p:nvPr/>
+      </p:nvGrpSpPr>
+      <p:grpSpPr>
+        <a:xfrm>
+          <a:off x="0" y="0"/>
+          <a:ext cx="0" cy="0"/>
+          <a:chOff x="0" y="0"/>
+          <a:chExt cx="0" cy="0"/>
+        </a:xfrm>
+      </p:grpSpPr>
+      <p:cxnSp>
+        <p:nvCxnSpPr>
+          <p:cNvPr id="14" name="Conector reto 13"/>
+          <p:cNvCxnSpPr/>
+          <p:nvPr/>
+        </p:nvCxnSpPr>
+        <p:spPr>
+          <a:xfrm>
+            <a:off x="530679" y="824593"/>
+            <a:ext cx="11046278" cy="0"/>
+          </a:xfrm>
+          <a:prstGeom prst="line">
+            <a:avLst/>
+          </a:prstGeom>
+        </p:spPr>
+        <p:style>
+          <a:lnRef idx="3">
+            <a:schemeClr val="dk1"/>
+          </a:lnRef>
+          <a:fillRef idx="0">
+            <a:schemeClr val="dk1"/>
+          </a:fillRef>
+          <a:effectRef idx="2">
+            <a:schemeClr val="dk1"/>
+          </a:effectRef>
+          <a:fontRef idx="minor">
+            <a:schemeClr val="tx1"/>
+          </a:fontRef>
+        </p:style>
+      </p:cxnSp>
+      <p:sp>
+        <p:nvSpPr>
+          <p:cNvPr id="16" name="CaixaDeTexto 15"/>
+          <p:cNvSpPr txBox="1"/>
+          <p:nvPr/>
+        </p:nvSpPr>
+        <p:spPr>
+          <a:xfrm>
+            <a:off x="530679" y="155121"/>
+            <a:ext cx="6262008" cy="523220"/>
+          </a:xfrm>
+          <a:prstGeom prst="rect">
+            <a:avLst/>
+          </a:prstGeom>
+          <a:noFill/>
+        </p:spPr>
+        <p:txBody>
+          <a:bodyPr wrap="square" rtlCol="0">
+            <a:spAutoFit/>
+          </a:bodyPr>
+          <a:lstStyle/>
+          <a:p>
+            <a:r>
+              <a:rPr lang="pt-BR" sz="2800" b="1" dirty="0" smtClean="0">
+                <a:solidFill>
+                  <a:srgbClr val="00B050"/>
+                </a:solidFill>
+              </a:rPr>
+              <a:t>PAIR </a:t>
+            </a:r>
+            <a:r>
+              <a:rPr lang="pt-BR" sz="2800" b="1" dirty="0" smtClean="0">
+                <a:solidFill>
+                  <a:srgbClr val="00B050"/>
+                </a:solidFill>
+              </a:rPr>
+              <a:t>PROGRAMMING: DICAS</a:t>
+            </a:r>
+            <a:endParaRPr lang="pt-BR" sz="2800" b="1" dirty="0">
+              <a:solidFill>
+                <a:srgbClr val="00B050"/>
+              </a:solidFill>
+            </a:endParaRPr>
+          </a:p>
+        </p:txBody>
+      </p:sp>
+    </p:spTree>
+    <p:extLst>
+      <p:ext uri="{BB962C8B-B14F-4D97-AF65-F5344CB8AC3E}">
+        <p14:creationId xmlns:p14="http://schemas.microsoft.com/office/powerpoint/2010/main" val="1351748934"/>
+      </p:ext>
+    </p:extLst>
+  </p:cSld>
+  <p:clrMapOvr>
+    <a:masterClrMapping/>
+  </p:clrMapOvr>
+  <p:timing>
+    <p:tnLst>
+      <p:par>
+        <p:cTn id="1" dur="indefinite" restart="never" nodeType="tmRoot"/>
+      </p:par>
+    </p:tnLst>
+  </p:timing>
+</p:sld>
+</file>
+
 <file path=ppt/slides/slide2.xml><?xml version="1.0" encoding="utf-8"?>
 <p:sld xmlns:a="http://schemas.openxmlformats.org/drawingml/2006/main" xmlns:r="http://schemas.openxmlformats.org/officeDocument/2006/relationships" xmlns:p="http://schemas.openxmlformats.org/presentationml/2006/main">
   <p:cSld>
@@ -3573,8 +3932,18 @@
                   </a:outerShdw>
                 </a:effectLst>
               </a:rPr>
-              <a:t>Conclusão</a:t>
-            </a:r>
+              <a:t>Dicas</a:t>
+            </a:r>
+            <a:endParaRPr lang="pt-BR" sz="3200" dirty="0" smtClean="0">
+              <a:ln w="0"/>
+              <a:effectLst>
+                <a:outerShdw blurRad="38100" dist="19050" dir="2700000" algn="tl" rotWithShape="0">
+                  <a:schemeClr val="dk1">
+                    <a:alpha val="40000"/>
+                  </a:schemeClr>
+                </a:outerShdw>
+              </a:effectLst>
+            </a:endParaRPr>
           </a:p>
         </p:txBody>
       </p:sp>
@@ -3673,7 +4042,15 @@
                   <a:srgbClr val="00B050"/>
                 </a:solidFill>
               </a:rPr>
-              <a:t>PAIR PROGROMMING</a:t>
+              <a:t>PAIR </a:t>
+            </a:r>
+            <a:r>
+              <a:rPr lang="pt-BR" sz="2800" b="1" dirty="0" smtClean="0">
+                <a:solidFill>
+                  <a:srgbClr val="00B050"/>
+                </a:solidFill>
+              </a:rPr>
+              <a:t>PROGRAMMING</a:t>
             </a:r>
             <a:endParaRPr lang="pt-BR" sz="2800" b="1" dirty="0">
               <a:solidFill>
@@ -3849,7 +4226,15 @@
                   <a:srgbClr val="00B050"/>
                 </a:solidFill>
               </a:rPr>
-              <a:t>PAIR PROGROMMING</a:t>
+              <a:t>PAIR </a:t>
+            </a:r>
+            <a:r>
+              <a:rPr lang="pt-BR" sz="2800" b="1" dirty="0" smtClean="0">
+                <a:solidFill>
+                  <a:srgbClr val="00B050"/>
+                </a:solidFill>
+              </a:rPr>
+              <a:t>PROGRAMMING</a:t>
             </a:r>
             <a:endParaRPr lang="pt-BR" sz="2800" b="1" dirty="0">
               <a:solidFill>
@@ -4102,7 +4487,15 @@
                   <a:srgbClr val="00B050"/>
                 </a:solidFill>
               </a:rPr>
-              <a:t>PAIR PROGROMMING</a:t>
+              <a:t>PAIR </a:t>
+            </a:r>
+            <a:r>
+              <a:rPr lang="pt-BR" sz="2800" b="1" dirty="0" smtClean="0">
+                <a:solidFill>
+                  <a:srgbClr val="00B050"/>
+                </a:solidFill>
+              </a:rPr>
+              <a:t>PROGRAMMING</a:t>
             </a:r>
             <a:endParaRPr lang="pt-BR" sz="2800" b="1" dirty="0">
               <a:solidFill>
@@ -4287,7 +4680,15 @@
                   <a:srgbClr val="00B050"/>
                 </a:solidFill>
               </a:rPr>
-              <a:t>PAIR PROGROMMING</a:t>
+              <a:t>PAIR </a:t>
+            </a:r>
+            <a:r>
+              <a:rPr lang="pt-BR" sz="2800" b="1" dirty="0" smtClean="0">
+                <a:solidFill>
+                  <a:srgbClr val="00B050"/>
+                </a:solidFill>
+              </a:rPr>
+              <a:t>PROGRAMMING: O LADO BOM</a:t>
             </a:r>
             <a:endParaRPr lang="pt-BR" sz="2800" b="1" dirty="0">
               <a:solidFill>
@@ -4297,10 +4698,802 @@
           </a:p>
         </p:txBody>
       </p:sp>
+      <p:pic>
+        <p:nvPicPr>
+          <p:cNvPr id="2" name="Imagem 1"/>
+          <p:cNvPicPr>
+            <a:picLocks noChangeAspect="1"/>
+          </p:cNvPicPr>
+          <p:nvPr/>
+        </p:nvPicPr>
+        <p:blipFill>
+          <a:blip r:embed="rId2">
+            <a:extLst>
+              <a:ext uri="{28A0092B-C50C-407E-A947-70E740481C1C}">
+                <a14:useLocalDpi xmlns:a14="http://schemas.microsoft.com/office/drawing/2010/main" val="0"/>
+              </a:ext>
+            </a:extLst>
+          </a:blip>
+          <a:stretch>
+            <a:fillRect/>
+          </a:stretch>
+        </p:blipFill>
+        <p:spPr>
+          <a:xfrm>
+            <a:off x="530679" y="1954924"/>
+            <a:ext cx="5057854" cy="3797354"/>
+          </a:xfrm>
+          <a:prstGeom prst="rect">
+            <a:avLst/>
+          </a:prstGeom>
+        </p:spPr>
+      </p:pic>
+      <p:sp>
+        <p:nvSpPr>
+          <p:cNvPr id="3" name="CaixaDeTexto 2"/>
+          <p:cNvSpPr txBox="1"/>
+          <p:nvPr/>
+        </p:nvSpPr>
+        <p:spPr>
+          <a:xfrm>
+            <a:off x="6201104" y="1849820"/>
+            <a:ext cx="5580993" cy="2954655"/>
+          </a:xfrm>
+          <a:prstGeom prst="rect">
+            <a:avLst/>
+          </a:prstGeom>
+          <a:noFill/>
+        </p:spPr>
+        <p:txBody>
+          <a:bodyPr wrap="square" rtlCol="0">
+            <a:spAutoFit/>
+          </a:bodyPr>
+          <a:lstStyle/>
+          <a:p>
+            <a:r>
+              <a:rPr lang="pt-BR" sz="2800" b="1" dirty="0" smtClean="0"/>
+              <a:t>Ambiente</a:t>
+            </a:r>
+          </a:p>
+          <a:p>
+            <a:endParaRPr lang="pt-BR" sz="2800" dirty="0" smtClean="0"/>
+          </a:p>
+          <a:p>
+            <a:pPr marL="285750" indent="-285750">
+              <a:buFont typeface="Arial" panose="020B0604020202020204" pitchFamily="34" charset="0"/>
+              <a:buChar char="•"/>
+            </a:pPr>
+            <a:r>
+              <a:rPr lang="pt-BR" sz="2800" dirty="0" smtClean="0"/>
+              <a:t>Limpo e confortável</a:t>
+            </a:r>
+          </a:p>
+          <a:p>
+            <a:pPr marL="285750" indent="-285750">
+              <a:buFont typeface="Arial" panose="020B0604020202020204" pitchFamily="34" charset="0"/>
+              <a:buChar char="•"/>
+            </a:pPr>
+            <a:r>
+              <a:rPr lang="pt-BR" sz="2800" dirty="0" smtClean="0"/>
+              <a:t>Respeite o espaço do outro</a:t>
+            </a:r>
+          </a:p>
+          <a:p>
+            <a:pPr marL="285750" indent="-285750">
+              <a:buFont typeface="Arial" panose="020B0604020202020204" pitchFamily="34" charset="0"/>
+              <a:buChar char="•"/>
+            </a:pPr>
+            <a:r>
+              <a:rPr lang="pt-BR" sz="2800" dirty="0" smtClean="0"/>
+              <a:t>Silencie notificações (computador, celular, </a:t>
+            </a:r>
+            <a:r>
+              <a:rPr lang="pt-BR" sz="2800" dirty="0" err="1" smtClean="0"/>
+              <a:t>etc</a:t>
+            </a:r>
+            <a:r>
+              <a:rPr lang="pt-BR" sz="2800" dirty="0" smtClean="0"/>
+              <a:t>)</a:t>
+            </a:r>
+            <a:endParaRPr lang="pt-BR" sz="2800" dirty="0"/>
+          </a:p>
+          <a:p>
+            <a:pPr marL="285750" indent="-285750">
+              <a:buFont typeface="Arial" panose="020B0604020202020204" pitchFamily="34" charset="0"/>
+              <a:buChar char="•"/>
+            </a:pPr>
+            <a:endParaRPr lang="pt-BR" dirty="0"/>
+          </a:p>
+        </p:txBody>
+      </p:sp>
     </p:spTree>
     <p:extLst>
       <p:ext uri="{BB962C8B-B14F-4D97-AF65-F5344CB8AC3E}">
         <p14:creationId xmlns:p14="http://schemas.microsoft.com/office/powerpoint/2010/main" val="3032416955"/>
+      </p:ext>
+    </p:extLst>
+  </p:cSld>
+  <p:clrMapOvr>
+    <a:masterClrMapping/>
+  </p:clrMapOvr>
+  <p:timing>
+    <p:tnLst>
+      <p:par>
+        <p:cTn id="1" dur="indefinite" restart="never" nodeType="tmRoot"/>
+      </p:par>
+    </p:tnLst>
+  </p:timing>
+</p:sld>
+</file>
+
+<file path=ppt/slides/slide7.xml><?xml version="1.0" encoding="utf-8"?>
+<p:sld xmlns:a="http://schemas.openxmlformats.org/drawingml/2006/main" xmlns:r="http://schemas.openxmlformats.org/officeDocument/2006/relationships" xmlns:p="http://schemas.openxmlformats.org/presentationml/2006/main">
+  <p:cSld>
+    <p:spTree>
+      <p:nvGrpSpPr>
+        <p:cNvPr id="1" name=""/>
+        <p:cNvGrpSpPr/>
+        <p:nvPr/>
+      </p:nvGrpSpPr>
+      <p:grpSpPr>
+        <a:xfrm>
+          <a:off x="0" y="0"/>
+          <a:ext cx="0" cy="0"/>
+          <a:chOff x="0" y="0"/>
+          <a:chExt cx="0" cy="0"/>
+        </a:xfrm>
+      </p:grpSpPr>
+      <p:cxnSp>
+        <p:nvCxnSpPr>
+          <p:cNvPr id="14" name="Conector reto 13"/>
+          <p:cNvCxnSpPr/>
+          <p:nvPr/>
+        </p:nvCxnSpPr>
+        <p:spPr>
+          <a:xfrm>
+            <a:off x="530679" y="824593"/>
+            <a:ext cx="11046278" cy="0"/>
+          </a:xfrm>
+          <a:prstGeom prst="line">
+            <a:avLst/>
+          </a:prstGeom>
+        </p:spPr>
+        <p:style>
+          <a:lnRef idx="3">
+            <a:schemeClr val="dk1"/>
+          </a:lnRef>
+          <a:fillRef idx="0">
+            <a:schemeClr val="dk1"/>
+          </a:fillRef>
+          <a:effectRef idx="2">
+            <a:schemeClr val="dk1"/>
+          </a:effectRef>
+          <a:fontRef idx="minor">
+            <a:schemeClr val="tx1"/>
+          </a:fontRef>
+        </p:style>
+      </p:cxnSp>
+      <p:sp>
+        <p:nvSpPr>
+          <p:cNvPr id="16" name="CaixaDeTexto 15"/>
+          <p:cNvSpPr txBox="1"/>
+          <p:nvPr/>
+        </p:nvSpPr>
+        <p:spPr>
+          <a:xfrm>
+            <a:off x="530679" y="155121"/>
+            <a:ext cx="6262008" cy="523220"/>
+          </a:xfrm>
+          <a:prstGeom prst="rect">
+            <a:avLst/>
+          </a:prstGeom>
+          <a:noFill/>
+        </p:spPr>
+        <p:txBody>
+          <a:bodyPr wrap="square" rtlCol="0">
+            <a:spAutoFit/>
+          </a:bodyPr>
+          <a:lstStyle/>
+          <a:p>
+            <a:r>
+              <a:rPr lang="pt-BR" sz="2800" b="1" dirty="0" smtClean="0">
+                <a:solidFill>
+                  <a:srgbClr val="00B050"/>
+                </a:solidFill>
+              </a:rPr>
+              <a:t>PAIR </a:t>
+            </a:r>
+            <a:r>
+              <a:rPr lang="pt-BR" sz="2800" b="1" dirty="0" smtClean="0">
+                <a:solidFill>
+                  <a:srgbClr val="00B050"/>
+                </a:solidFill>
+              </a:rPr>
+              <a:t>PROGRAMMING: O LADO BOM</a:t>
+            </a:r>
+            <a:endParaRPr lang="pt-BR" sz="2800" b="1" dirty="0">
+              <a:solidFill>
+                <a:srgbClr val="00B050"/>
+              </a:solidFill>
+            </a:endParaRPr>
+          </a:p>
+        </p:txBody>
+      </p:sp>
+      <p:pic>
+        <p:nvPicPr>
+          <p:cNvPr id="4" name="Imagem 3"/>
+          <p:cNvPicPr>
+            <a:picLocks noChangeAspect="1"/>
+          </p:cNvPicPr>
+          <p:nvPr/>
+        </p:nvPicPr>
+        <p:blipFill>
+          <a:blip r:embed="rId2">
+            <a:extLst>
+              <a:ext uri="{28A0092B-C50C-407E-A947-70E740481C1C}">
+                <a14:useLocalDpi xmlns:a14="http://schemas.microsoft.com/office/drawing/2010/main" val="0"/>
+              </a:ext>
+            </a:extLst>
+          </a:blip>
+          <a:stretch>
+            <a:fillRect/>
+          </a:stretch>
+        </p:blipFill>
+        <p:spPr>
+          <a:xfrm>
+            <a:off x="530679" y="1855690"/>
+            <a:ext cx="5334462" cy="4008467"/>
+          </a:xfrm>
+          <a:prstGeom prst="rect">
+            <a:avLst/>
+          </a:prstGeom>
+        </p:spPr>
+      </p:pic>
+      <p:sp>
+        <p:nvSpPr>
+          <p:cNvPr id="5" name="CaixaDeTexto 4"/>
+          <p:cNvSpPr txBox="1"/>
+          <p:nvPr/>
+        </p:nvSpPr>
+        <p:spPr>
+          <a:xfrm>
+            <a:off x="6358759" y="1250731"/>
+            <a:ext cx="5218198" cy="4832092"/>
+          </a:xfrm>
+          <a:prstGeom prst="rect">
+            <a:avLst/>
+          </a:prstGeom>
+          <a:noFill/>
+        </p:spPr>
+        <p:txBody>
+          <a:bodyPr wrap="square" rtlCol="0">
+            <a:spAutoFit/>
+          </a:bodyPr>
+          <a:lstStyle/>
+          <a:p>
+            <a:r>
+              <a:rPr lang="pt-BR" sz="2800" b="1" dirty="0" smtClean="0"/>
+              <a:t>Dinâmica</a:t>
+            </a:r>
+          </a:p>
+          <a:p>
+            <a:endParaRPr lang="pt-BR" sz="2800" dirty="0"/>
+          </a:p>
+          <a:p>
+            <a:pPr marL="285750" indent="-285750">
+              <a:buFont typeface="Arial" panose="020B0604020202020204" pitchFamily="34" charset="0"/>
+              <a:buChar char="•"/>
+            </a:pPr>
+            <a:r>
+              <a:rPr lang="pt-BR" sz="2800" dirty="0" smtClean="0"/>
+              <a:t>Mapeie o curso</a:t>
+            </a:r>
+          </a:p>
+          <a:p>
+            <a:pPr marL="285750" indent="-285750">
+              <a:buFont typeface="Arial" panose="020B0604020202020204" pitchFamily="34" charset="0"/>
+              <a:buChar char="•"/>
+            </a:pPr>
+            <a:endParaRPr lang="pt-BR" sz="2800" dirty="0"/>
+          </a:p>
+          <a:p>
+            <a:pPr marL="285750" indent="-285750">
+              <a:buFont typeface="Arial" panose="020B0604020202020204" pitchFamily="34" charset="0"/>
+              <a:buChar char="•"/>
+            </a:pPr>
+            <a:r>
+              <a:rPr lang="pt-BR" sz="2800" dirty="0" smtClean="0"/>
+              <a:t>Quebre em pequenas tarefas</a:t>
+            </a:r>
+          </a:p>
+          <a:p>
+            <a:pPr marL="285750" indent="-285750">
+              <a:buFont typeface="Arial" panose="020B0604020202020204" pitchFamily="34" charset="0"/>
+              <a:buChar char="•"/>
+            </a:pPr>
+            <a:endParaRPr lang="pt-BR" sz="2800" dirty="0"/>
+          </a:p>
+          <a:p>
+            <a:pPr marL="285750" indent="-285750">
+              <a:buFont typeface="Arial" panose="020B0604020202020204" pitchFamily="34" charset="0"/>
+              <a:buChar char="•"/>
+            </a:pPr>
+            <a:r>
+              <a:rPr lang="pt-BR" sz="2800" dirty="0" smtClean="0"/>
+              <a:t>Escreva testes</a:t>
+            </a:r>
+          </a:p>
+          <a:p>
+            <a:pPr marL="285750" indent="-285750">
+              <a:buFont typeface="Arial" panose="020B0604020202020204" pitchFamily="34" charset="0"/>
+              <a:buChar char="•"/>
+            </a:pPr>
+            <a:endParaRPr lang="pt-BR" sz="2800" dirty="0"/>
+          </a:p>
+          <a:p>
+            <a:pPr marL="285750" indent="-285750">
+              <a:buFont typeface="Arial" panose="020B0604020202020204" pitchFamily="34" charset="0"/>
+              <a:buChar char="•"/>
+            </a:pPr>
+            <a:r>
+              <a:rPr lang="pt-BR" sz="2800" dirty="0" smtClean="0"/>
+              <a:t>Faça pausas</a:t>
+            </a:r>
+          </a:p>
+          <a:p>
+            <a:pPr marL="285750" indent="-285750">
+              <a:buFont typeface="Arial" panose="020B0604020202020204" pitchFamily="34" charset="0"/>
+              <a:buChar char="•"/>
+            </a:pPr>
+            <a:endParaRPr lang="pt-BR" sz="2800" dirty="0"/>
+          </a:p>
+          <a:p>
+            <a:pPr marL="285750" indent="-285750">
+              <a:buFont typeface="Arial" panose="020B0604020202020204" pitchFamily="34" charset="0"/>
+              <a:buChar char="•"/>
+            </a:pPr>
+            <a:r>
+              <a:rPr lang="pt-BR" sz="2800" dirty="0" smtClean="0"/>
+              <a:t>Troque os papéis</a:t>
+            </a:r>
+          </a:p>
+        </p:txBody>
+      </p:sp>
+    </p:spTree>
+    <p:extLst>
+      <p:ext uri="{BB962C8B-B14F-4D97-AF65-F5344CB8AC3E}">
+        <p14:creationId xmlns:p14="http://schemas.microsoft.com/office/powerpoint/2010/main" val="1849510765"/>
+      </p:ext>
+    </p:extLst>
+  </p:cSld>
+  <p:clrMapOvr>
+    <a:masterClrMapping/>
+  </p:clrMapOvr>
+  <p:timing>
+    <p:tnLst>
+      <p:par>
+        <p:cTn id="1" dur="indefinite" restart="never" nodeType="tmRoot"/>
+      </p:par>
+    </p:tnLst>
+  </p:timing>
+</p:sld>
+</file>
+
+<file path=ppt/slides/slide8.xml><?xml version="1.0" encoding="utf-8"?>
+<p:sld xmlns:a="http://schemas.openxmlformats.org/drawingml/2006/main" xmlns:r="http://schemas.openxmlformats.org/officeDocument/2006/relationships" xmlns:p="http://schemas.openxmlformats.org/presentationml/2006/main">
+  <p:cSld>
+    <p:spTree>
+      <p:nvGrpSpPr>
+        <p:cNvPr id="1" name=""/>
+        <p:cNvGrpSpPr/>
+        <p:nvPr/>
+      </p:nvGrpSpPr>
+      <p:grpSpPr>
+        <a:xfrm>
+          <a:off x="0" y="0"/>
+          <a:ext cx="0" cy="0"/>
+          <a:chOff x="0" y="0"/>
+          <a:chExt cx="0" cy="0"/>
+        </a:xfrm>
+      </p:grpSpPr>
+      <p:cxnSp>
+        <p:nvCxnSpPr>
+          <p:cNvPr id="14" name="Conector reto 13"/>
+          <p:cNvCxnSpPr/>
+          <p:nvPr/>
+        </p:nvCxnSpPr>
+        <p:spPr>
+          <a:xfrm>
+            <a:off x="530679" y="824593"/>
+            <a:ext cx="11046278" cy="0"/>
+          </a:xfrm>
+          <a:prstGeom prst="line">
+            <a:avLst/>
+          </a:prstGeom>
+        </p:spPr>
+        <p:style>
+          <a:lnRef idx="3">
+            <a:schemeClr val="dk1"/>
+          </a:lnRef>
+          <a:fillRef idx="0">
+            <a:schemeClr val="dk1"/>
+          </a:fillRef>
+          <a:effectRef idx="2">
+            <a:schemeClr val="dk1"/>
+          </a:effectRef>
+          <a:fontRef idx="minor">
+            <a:schemeClr val="tx1"/>
+          </a:fontRef>
+        </p:style>
+      </p:cxnSp>
+      <p:sp>
+        <p:nvSpPr>
+          <p:cNvPr id="16" name="CaixaDeTexto 15"/>
+          <p:cNvSpPr txBox="1"/>
+          <p:nvPr/>
+        </p:nvSpPr>
+        <p:spPr>
+          <a:xfrm>
+            <a:off x="530679" y="155121"/>
+            <a:ext cx="6262008" cy="523220"/>
+          </a:xfrm>
+          <a:prstGeom prst="rect">
+            <a:avLst/>
+          </a:prstGeom>
+          <a:noFill/>
+        </p:spPr>
+        <p:txBody>
+          <a:bodyPr wrap="square" rtlCol="0">
+            <a:spAutoFit/>
+          </a:bodyPr>
+          <a:lstStyle/>
+          <a:p>
+            <a:r>
+              <a:rPr lang="pt-BR" sz="2800" b="1" dirty="0" smtClean="0">
+                <a:solidFill>
+                  <a:srgbClr val="00B050"/>
+                </a:solidFill>
+              </a:rPr>
+              <a:t>PAIR </a:t>
+            </a:r>
+            <a:r>
+              <a:rPr lang="pt-BR" sz="2800" b="1" dirty="0" smtClean="0">
+                <a:solidFill>
+                  <a:srgbClr val="00B050"/>
+                </a:solidFill>
+              </a:rPr>
+              <a:t>PROGRAMMING: O LADO RUIM</a:t>
+            </a:r>
+            <a:endParaRPr lang="pt-BR" sz="2800" b="1" dirty="0">
+              <a:solidFill>
+                <a:srgbClr val="00B050"/>
+              </a:solidFill>
+            </a:endParaRPr>
+          </a:p>
+        </p:txBody>
+      </p:sp>
+      <p:pic>
+        <p:nvPicPr>
+          <p:cNvPr id="2" name="Imagem 1"/>
+          <p:cNvPicPr>
+            <a:picLocks noChangeAspect="1"/>
+          </p:cNvPicPr>
+          <p:nvPr/>
+        </p:nvPicPr>
+        <p:blipFill>
+          <a:blip r:embed="rId2">
+            <a:extLst>
+              <a:ext uri="{28A0092B-C50C-407E-A947-70E740481C1C}">
+                <a14:useLocalDpi xmlns:a14="http://schemas.microsoft.com/office/drawing/2010/main" val="0"/>
+              </a:ext>
+            </a:extLst>
+          </a:blip>
+          <a:stretch>
+            <a:fillRect/>
+          </a:stretch>
+        </p:blipFill>
+        <p:spPr>
+          <a:xfrm>
+            <a:off x="530679" y="1916097"/>
+            <a:ext cx="5071335" cy="3803502"/>
+          </a:xfrm>
+          <a:prstGeom prst="rect">
+            <a:avLst/>
+          </a:prstGeom>
+        </p:spPr>
+      </p:pic>
+      <p:sp>
+        <p:nvSpPr>
+          <p:cNvPr id="6" name="CaixaDeTexto 5"/>
+          <p:cNvSpPr txBox="1"/>
+          <p:nvPr/>
+        </p:nvSpPr>
+        <p:spPr>
+          <a:xfrm>
+            <a:off x="6037865" y="1916097"/>
+            <a:ext cx="5707117" cy="3539430"/>
+          </a:xfrm>
+          <a:prstGeom prst="rect">
+            <a:avLst/>
+          </a:prstGeom>
+          <a:noFill/>
+        </p:spPr>
+        <p:txBody>
+          <a:bodyPr wrap="square" rtlCol="0">
+            <a:spAutoFit/>
+          </a:bodyPr>
+          <a:lstStyle/>
+          <a:p>
+            <a:r>
+              <a:rPr lang="pt-BR" sz="2800" b="1" dirty="0" smtClean="0"/>
+              <a:t>Piloto</a:t>
+            </a:r>
+          </a:p>
+          <a:p>
+            <a:endParaRPr lang="pt-BR" sz="2800" dirty="0"/>
+          </a:p>
+          <a:p>
+            <a:pPr marL="285750" indent="-285750">
+              <a:buFont typeface="Arial" panose="020B0604020202020204" pitchFamily="34" charset="0"/>
+              <a:buChar char="•"/>
+            </a:pPr>
+            <a:r>
+              <a:rPr lang="pt-BR" sz="2800" dirty="0" smtClean="0"/>
+              <a:t>Monopolizar o teclado</a:t>
+            </a:r>
+          </a:p>
+          <a:p>
+            <a:pPr marL="285750" indent="-285750">
+              <a:buFont typeface="Arial" panose="020B0604020202020204" pitchFamily="34" charset="0"/>
+              <a:buChar char="•"/>
+            </a:pPr>
+            <a:endParaRPr lang="pt-BR" sz="2800" dirty="0"/>
+          </a:p>
+          <a:p>
+            <a:pPr marL="285750" indent="-285750">
+              <a:buFont typeface="Arial" panose="020B0604020202020204" pitchFamily="34" charset="0"/>
+              <a:buChar char="•"/>
+            </a:pPr>
+            <a:r>
+              <a:rPr lang="pt-BR" sz="2800" dirty="0" smtClean="0"/>
+              <a:t>Alterar código sem explicar a ideia ao </a:t>
+            </a:r>
+            <a:r>
+              <a:rPr lang="pt-BR" sz="2800" dirty="0" err="1" smtClean="0"/>
+              <a:t>co-piloto</a:t>
+            </a:r>
+            <a:r>
+              <a:rPr lang="pt-BR" sz="2800" dirty="0" smtClean="0"/>
+              <a:t> antes</a:t>
+            </a:r>
+          </a:p>
+          <a:p>
+            <a:pPr marL="285750" indent="-285750">
+              <a:buFont typeface="Arial" panose="020B0604020202020204" pitchFamily="34" charset="0"/>
+              <a:buChar char="•"/>
+            </a:pPr>
+            <a:endParaRPr lang="pt-BR" sz="2800" dirty="0"/>
+          </a:p>
+          <a:p>
+            <a:pPr marL="285750" indent="-285750">
+              <a:buFont typeface="Arial" panose="020B0604020202020204" pitchFamily="34" charset="0"/>
+              <a:buChar char="•"/>
+            </a:pPr>
+            <a:r>
+              <a:rPr lang="pt-BR" sz="2800" dirty="0" smtClean="0"/>
+              <a:t>Esquecer que esta pareando</a:t>
+            </a:r>
+            <a:endParaRPr lang="pt-BR" sz="2800" dirty="0"/>
+          </a:p>
+        </p:txBody>
+      </p:sp>
+    </p:spTree>
+    <p:extLst>
+      <p:ext uri="{BB962C8B-B14F-4D97-AF65-F5344CB8AC3E}">
+        <p14:creationId xmlns:p14="http://schemas.microsoft.com/office/powerpoint/2010/main" val="1595628845"/>
+      </p:ext>
+    </p:extLst>
+  </p:cSld>
+  <p:clrMapOvr>
+    <a:masterClrMapping/>
+  </p:clrMapOvr>
+  <p:timing>
+    <p:tnLst>
+      <p:par>
+        <p:cTn id="1" dur="indefinite" restart="never" nodeType="tmRoot"/>
+      </p:par>
+    </p:tnLst>
+  </p:timing>
+</p:sld>
+</file>
+
+<file path=ppt/slides/slide9.xml><?xml version="1.0" encoding="utf-8"?>
+<p:sld xmlns:a="http://schemas.openxmlformats.org/drawingml/2006/main" xmlns:r="http://schemas.openxmlformats.org/officeDocument/2006/relationships" xmlns:p="http://schemas.openxmlformats.org/presentationml/2006/main">
+  <p:cSld>
+    <p:spTree>
+      <p:nvGrpSpPr>
+        <p:cNvPr id="1" name=""/>
+        <p:cNvGrpSpPr/>
+        <p:nvPr/>
+      </p:nvGrpSpPr>
+      <p:grpSpPr>
+        <a:xfrm>
+          <a:off x="0" y="0"/>
+          <a:ext cx="0" cy="0"/>
+          <a:chOff x="0" y="0"/>
+          <a:chExt cx="0" cy="0"/>
+        </a:xfrm>
+      </p:grpSpPr>
+      <p:cxnSp>
+        <p:nvCxnSpPr>
+          <p:cNvPr id="14" name="Conector reto 13"/>
+          <p:cNvCxnSpPr/>
+          <p:nvPr/>
+        </p:nvCxnSpPr>
+        <p:spPr>
+          <a:xfrm>
+            <a:off x="530679" y="824593"/>
+            <a:ext cx="11046278" cy="0"/>
+          </a:xfrm>
+          <a:prstGeom prst="line">
+            <a:avLst/>
+          </a:prstGeom>
+        </p:spPr>
+        <p:style>
+          <a:lnRef idx="3">
+            <a:schemeClr val="dk1"/>
+          </a:lnRef>
+          <a:fillRef idx="0">
+            <a:schemeClr val="dk1"/>
+          </a:fillRef>
+          <a:effectRef idx="2">
+            <a:schemeClr val="dk1"/>
+          </a:effectRef>
+          <a:fontRef idx="minor">
+            <a:schemeClr val="tx1"/>
+          </a:fontRef>
+        </p:style>
+      </p:cxnSp>
+      <p:sp>
+        <p:nvSpPr>
+          <p:cNvPr id="16" name="CaixaDeTexto 15"/>
+          <p:cNvSpPr txBox="1"/>
+          <p:nvPr/>
+        </p:nvSpPr>
+        <p:spPr>
+          <a:xfrm>
+            <a:off x="530679" y="155121"/>
+            <a:ext cx="6262008" cy="523220"/>
+          </a:xfrm>
+          <a:prstGeom prst="rect">
+            <a:avLst/>
+          </a:prstGeom>
+          <a:noFill/>
+        </p:spPr>
+        <p:txBody>
+          <a:bodyPr wrap="square" rtlCol="0">
+            <a:spAutoFit/>
+          </a:bodyPr>
+          <a:lstStyle/>
+          <a:p>
+            <a:r>
+              <a:rPr lang="pt-BR" sz="2800" b="1" dirty="0" smtClean="0">
+                <a:solidFill>
+                  <a:srgbClr val="00B050"/>
+                </a:solidFill>
+              </a:rPr>
+              <a:t>PAIR </a:t>
+            </a:r>
+            <a:r>
+              <a:rPr lang="pt-BR" sz="2800" b="1" dirty="0" smtClean="0">
+                <a:solidFill>
+                  <a:srgbClr val="00B050"/>
+                </a:solidFill>
+              </a:rPr>
+              <a:t>PROGRAMMING: O LADO RUIM</a:t>
+            </a:r>
+            <a:endParaRPr lang="pt-BR" sz="2800" b="1" dirty="0">
+              <a:solidFill>
+                <a:srgbClr val="00B050"/>
+              </a:solidFill>
+            </a:endParaRPr>
+          </a:p>
+        </p:txBody>
+      </p:sp>
+      <p:pic>
+        <p:nvPicPr>
+          <p:cNvPr id="3" name="Imagem 2"/>
+          <p:cNvPicPr>
+            <a:picLocks noChangeAspect="1"/>
+          </p:cNvPicPr>
+          <p:nvPr/>
+        </p:nvPicPr>
+        <p:blipFill>
+          <a:blip r:embed="rId2" cstate="print">
+            <a:extLst>
+              <a:ext uri="{28A0092B-C50C-407E-A947-70E740481C1C}">
+                <a14:useLocalDpi xmlns:a14="http://schemas.microsoft.com/office/drawing/2010/main" val="0"/>
+              </a:ext>
+            </a:extLst>
+          </a:blip>
+          <a:stretch>
+            <a:fillRect/>
+          </a:stretch>
+        </p:blipFill>
+        <p:spPr>
+          <a:xfrm>
+            <a:off x="530679" y="2123090"/>
+            <a:ext cx="5223702" cy="3489432"/>
+          </a:xfrm>
+          <a:prstGeom prst="rect">
+            <a:avLst/>
+          </a:prstGeom>
+        </p:spPr>
+      </p:pic>
+      <p:sp>
+        <p:nvSpPr>
+          <p:cNvPr id="4" name="CaixaDeTexto 3"/>
+          <p:cNvSpPr txBox="1"/>
+          <p:nvPr/>
+        </p:nvSpPr>
+        <p:spPr>
+          <a:xfrm>
+            <a:off x="6337738" y="1566042"/>
+            <a:ext cx="5396874" cy="2677656"/>
+          </a:xfrm>
+          <a:prstGeom prst="rect">
+            <a:avLst/>
+          </a:prstGeom>
+          <a:noFill/>
+        </p:spPr>
+        <p:txBody>
+          <a:bodyPr wrap="square" rtlCol="0">
+            <a:spAutoFit/>
+          </a:bodyPr>
+          <a:lstStyle/>
+          <a:p>
+            <a:r>
+              <a:rPr lang="pt-BR" sz="2800" b="1" dirty="0" err="1" smtClean="0"/>
+              <a:t>Co-Piloto</a:t>
+            </a:r>
+            <a:endParaRPr lang="pt-BR" sz="2800" b="1" dirty="0" smtClean="0"/>
+          </a:p>
+          <a:p>
+            <a:endParaRPr lang="pt-BR" sz="2800" dirty="0"/>
+          </a:p>
+          <a:p>
+            <a:pPr marL="285750" indent="-285750">
+              <a:buFont typeface="Arial" panose="020B0604020202020204" pitchFamily="34" charset="0"/>
+              <a:buChar char="•"/>
+            </a:pPr>
+            <a:r>
+              <a:rPr lang="pt-BR" sz="2800" dirty="0" smtClean="0"/>
+              <a:t>Ficar mexendo no celular</a:t>
+            </a:r>
+          </a:p>
+          <a:p>
+            <a:pPr marL="285750" indent="-285750">
+              <a:buFont typeface="Arial" panose="020B0604020202020204" pitchFamily="34" charset="0"/>
+              <a:buChar char="•"/>
+            </a:pPr>
+            <a:endParaRPr lang="pt-BR" sz="2800" dirty="0"/>
+          </a:p>
+          <a:p>
+            <a:pPr marL="285750" indent="-285750">
+              <a:buFont typeface="Arial" panose="020B0604020202020204" pitchFamily="34" charset="0"/>
+              <a:buChar char="•"/>
+            </a:pPr>
+            <a:r>
+              <a:rPr lang="pt-BR" sz="2800" dirty="0" smtClean="0"/>
+              <a:t>Pegar o teclado ou mouse abruptamente</a:t>
+            </a:r>
+          </a:p>
+        </p:txBody>
+      </p:sp>
+    </p:spTree>
+    <p:extLst>
+      <p:ext uri="{BB962C8B-B14F-4D97-AF65-F5344CB8AC3E}">
+        <p14:creationId xmlns:p14="http://schemas.microsoft.com/office/powerpoint/2010/main" val="1552574066"/>
       </p:ext>
     </p:extLst>
   </p:cSld>
@@ -4825,7 +6018,7 @@
   <a:extraClrSchemeLst/>
   <a:extLst>
     <a:ext uri="{05A4C25C-085E-4340-85A3-A5531E510DB2}">
-      <thm15:themeFamily xmlns:thm15="http://schemas.microsoft.com/office/thememl/2012/main" xmlns="" name="Office Theme" id="{62F939B6-93AF-4DB8-9C6B-D6C7DFDC589F}" vid="{4A3C46E8-61CC-4603-A589-7422A47A8E4A}"/>
+      <thm15:themeFamily xmlns:thm15="http://schemas.microsoft.com/office/thememl/2012/main" name="Office Theme" id="{62F939B6-93AF-4DB8-9C6B-D6C7DFDC589F}" vid="{4A3C46E8-61CC-4603-A589-7422A47A8E4A}"/>
     </a:ext>
   </a:extLst>
 </a:theme>

--- a/Apresentação-PairProgramming.pptx
+++ b/Apresentação-PairProgramming.pptx
@@ -5,7 +5,7 @@
     <p:sldMasterId id="2147483708" r:id="rId1"/>
   </p:sldMasterIdLst>
   <p:notesMasterIdLst>
-    <p:notesMasterId r:id="rId13"/>
+    <p:notesMasterId r:id="rId14"/>
   </p:notesMasterIdLst>
   <p:sldIdLst>
     <p:sldId id="256" r:id="rId2"/>
@@ -19,6 +19,7 @@
     <p:sldId id="264" r:id="rId10"/>
     <p:sldId id="265" r:id="rId11"/>
     <p:sldId id="266" r:id="rId12"/>
+    <p:sldId id="267" r:id="rId13"/>
   </p:sldIdLst>
   <p:sldSz cx="12192000" cy="6858000"/>
   <p:notesSz cx="6858000" cy="9144000"/>
@@ -3506,15 +3507,7 @@
                   <a:srgbClr val="00B050"/>
                 </a:solidFill>
               </a:rPr>
-              <a:t>PAIR </a:t>
-            </a:r>
-            <a:r>
-              <a:rPr lang="pt-BR" sz="2800" b="1" dirty="0" smtClean="0">
-                <a:solidFill>
-                  <a:srgbClr val="00B050"/>
-                </a:solidFill>
-              </a:rPr>
-              <a:t>PROGRAMMING: O LADO RUIM</a:t>
+              <a:t>PAIR PROGRAMMING: O LADO RUIM</a:t>
             </a:r>
             <a:endParaRPr lang="pt-BR" sz="2800" b="1" dirty="0">
               <a:solidFill>
@@ -3731,15 +3724,268 @@
                   <a:srgbClr val="00B050"/>
                 </a:solidFill>
               </a:rPr>
-              <a:t>PAIR </a:t>
-            </a:r>
+              <a:t>PAIR PROGRAMMING: DICAS</a:t>
+            </a:r>
+            <a:endParaRPr lang="pt-BR" sz="2800" b="1" dirty="0">
+              <a:solidFill>
+                <a:srgbClr val="00B050"/>
+              </a:solidFill>
+            </a:endParaRPr>
+          </a:p>
+        </p:txBody>
+      </p:sp>
+      <p:pic>
+        <p:nvPicPr>
+          <p:cNvPr id="2" name="Imagem 1"/>
+          <p:cNvPicPr>
+            <a:picLocks noChangeAspect="1"/>
+          </p:cNvPicPr>
+          <p:nvPr/>
+        </p:nvPicPr>
+        <p:blipFill>
+          <a:blip r:embed="rId2">
+            <a:extLst>
+              <a:ext uri="{28A0092B-C50C-407E-A947-70E740481C1C}">
+                <a14:useLocalDpi xmlns:a14="http://schemas.microsoft.com/office/drawing/2010/main" val="0"/>
+              </a:ext>
+            </a:extLst>
+          </a:blip>
+          <a:stretch>
+            <a:fillRect/>
+          </a:stretch>
+        </p:blipFill>
+        <p:spPr>
+          <a:xfrm>
+            <a:off x="530679" y="2112581"/>
+            <a:ext cx="5176438" cy="3456260"/>
+          </a:xfrm>
+          <a:prstGeom prst="rect">
+            <a:avLst/>
+          </a:prstGeom>
+        </p:spPr>
+      </p:pic>
+      <p:sp>
+        <p:nvSpPr>
+          <p:cNvPr id="3" name="CaixaDeTexto 2"/>
+          <p:cNvSpPr txBox="1"/>
+          <p:nvPr/>
+        </p:nvSpPr>
+        <p:spPr>
+          <a:xfrm>
+            <a:off x="6106510" y="1118883"/>
+            <a:ext cx="5470447" cy="5262979"/>
+          </a:xfrm>
+          <a:prstGeom prst="rect">
+            <a:avLst/>
+          </a:prstGeom>
+          <a:noFill/>
+        </p:spPr>
+        <p:txBody>
+          <a:bodyPr wrap="square" rtlCol="0">
+            <a:spAutoFit/>
+          </a:bodyPr>
+          <a:lstStyle/>
+          <a:p>
+            <a:r>
+              <a:rPr lang="pt-BR" sz="2400" b="1" dirty="0" smtClean="0"/>
+              <a:t>Dicas:</a:t>
+            </a:r>
+          </a:p>
+          <a:p>
+            <a:endParaRPr lang="pt-BR" sz="2400" dirty="0"/>
+          </a:p>
+          <a:p>
+            <a:pPr marL="285750" indent="-285750">
+              <a:buFont typeface="Arial" panose="020B0604020202020204" pitchFamily="34" charset="0"/>
+              <a:buChar char="•"/>
+            </a:pPr>
+            <a:r>
+              <a:rPr lang="pt-BR" sz="2400" dirty="0" smtClean="0"/>
+              <a:t>Um escreve o teste e o outro implementa o código que faz o teste passar</a:t>
+            </a:r>
+          </a:p>
+          <a:p>
+            <a:pPr marL="285750" indent="-285750">
+              <a:buFont typeface="Arial" panose="020B0604020202020204" pitchFamily="34" charset="0"/>
+              <a:buChar char="•"/>
+            </a:pPr>
+            <a:endParaRPr lang="pt-BR" sz="2400" dirty="0"/>
+          </a:p>
+          <a:p>
+            <a:pPr marL="285750" indent="-285750">
+              <a:buFont typeface="Arial" panose="020B0604020202020204" pitchFamily="34" charset="0"/>
+              <a:buChar char="•"/>
+            </a:pPr>
+            <a:r>
+              <a:rPr lang="pt-BR" sz="2400" dirty="0" smtClean="0"/>
+              <a:t>Alterar entre quem escreve os testes e a implementação</a:t>
+            </a:r>
+          </a:p>
+          <a:p>
+            <a:pPr marL="285750" indent="-285750">
+              <a:buFont typeface="Arial" panose="020B0604020202020204" pitchFamily="34" charset="0"/>
+              <a:buChar char="•"/>
+            </a:pPr>
+            <a:endParaRPr lang="pt-BR" sz="2400" dirty="0"/>
+          </a:p>
+          <a:p>
+            <a:pPr marL="285750" indent="-285750">
+              <a:buFont typeface="Arial" panose="020B0604020202020204" pitchFamily="34" charset="0"/>
+              <a:buChar char="•"/>
+            </a:pPr>
+            <a:r>
+              <a:rPr lang="pt-BR" sz="2400" dirty="0" smtClean="0"/>
+              <a:t>Ciclos de 25 min</a:t>
+            </a:r>
+          </a:p>
+          <a:p>
+            <a:pPr marL="285750" indent="-285750">
+              <a:buFont typeface="Arial" panose="020B0604020202020204" pitchFamily="34" charset="0"/>
+              <a:buChar char="•"/>
+            </a:pPr>
+            <a:endParaRPr lang="pt-BR" sz="2400" dirty="0"/>
+          </a:p>
+          <a:p>
+            <a:pPr marL="285750" indent="-285750">
+              <a:buFont typeface="Arial" panose="020B0604020202020204" pitchFamily="34" charset="0"/>
+              <a:buChar char="•"/>
+            </a:pPr>
+            <a:r>
+              <a:rPr lang="pt-BR" sz="2400" dirty="0" smtClean="0"/>
+              <a:t>5 min de descanso</a:t>
+            </a:r>
+          </a:p>
+          <a:p>
+            <a:pPr marL="285750" indent="-285750">
+              <a:buFont typeface="Arial" panose="020B0604020202020204" pitchFamily="34" charset="0"/>
+              <a:buChar char="•"/>
+            </a:pPr>
+            <a:endParaRPr lang="pt-BR" sz="2400" dirty="0"/>
+          </a:p>
+          <a:p>
+            <a:pPr marL="285750" indent="-285750">
+              <a:buFont typeface="Arial" panose="020B0604020202020204" pitchFamily="34" charset="0"/>
+              <a:buChar char="•"/>
+            </a:pPr>
+            <a:r>
+              <a:rPr lang="pt-BR" sz="2400" dirty="0" smtClean="0"/>
+              <a:t>Alternar piloto e </a:t>
+            </a:r>
+            <a:r>
+              <a:rPr lang="pt-BR" sz="2400" dirty="0" err="1" smtClean="0"/>
+              <a:t>co-piloto</a:t>
+            </a:r>
+            <a:r>
+              <a:rPr lang="pt-BR" sz="2400" dirty="0" smtClean="0"/>
+              <a:t> a cada ciclo</a:t>
+            </a:r>
+          </a:p>
+        </p:txBody>
+      </p:sp>
+    </p:spTree>
+    <p:extLst>
+      <p:ext uri="{BB962C8B-B14F-4D97-AF65-F5344CB8AC3E}">
+        <p14:creationId xmlns:p14="http://schemas.microsoft.com/office/powerpoint/2010/main" val="1351748934"/>
+      </p:ext>
+    </p:extLst>
+  </p:cSld>
+  <p:clrMapOvr>
+    <a:masterClrMapping/>
+  </p:clrMapOvr>
+  <p:timing>
+    <p:tnLst>
+      <p:par>
+        <p:cTn id="1" dur="indefinite" restart="never" nodeType="tmRoot"/>
+      </p:par>
+    </p:tnLst>
+  </p:timing>
+</p:sld>
+</file>
+
+<file path=ppt/slides/slide12.xml><?xml version="1.0" encoding="utf-8"?>
+<p:sld xmlns:a="http://schemas.openxmlformats.org/drawingml/2006/main" xmlns:r="http://schemas.openxmlformats.org/officeDocument/2006/relationships" xmlns:p="http://schemas.openxmlformats.org/presentationml/2006/main">
+  <p:cSld>
+    <p:spTree>
+      <p:nvGrpSpPr>
+        <p:cNvPr id="1" name=""/>
+        <p:cNvGrpSpPr/>
+        <p:nvPr/>
+      </p:nvGrpSpPr>
+      <p:grpSpPr>
+        <a:xfrm>
+          <a:off x="0" y="0"/>
+          <a:ext cx="0" cy="0"/>
+          <a:chOff x="0" y="0"/>
+          <a:chExt cx="0" cy="0"/>
+        </a:xfrm>
+      </p:grpSpPr>
+      <p:cxnSp>
+        <p:nvCxnSpPr>
+          <p:cNvPr id="14" name="Conector reto 13"/>
+          <p:cNvCxnSpPr/>
+          <p:nvPr/>
+        </p:nvCxnSpPr>
+        <p:spPr>
+          <a:xfrm>
+            <a:off x="530679" y="824593"/>
+            <a:ext cx="11046278" cy="0"/>
+          </a:xfrm>
+          <a:prstGeom prst="line">
+            <a:avLst/>
+          </a:prstGeom>
+        </p:spPr>
+        <p:style>
+          <a:lnRef idx="3">
+            <a:schemeClr val="dk1"/>
+          </a:lnRef>
+          <a:fillRef idx="0">
+            <a:schemeClr val="dk1"/>
+          </a:fillRef>
+          <a:effectRef idx="2">
+            <a:schemeClr val="dk1"/>
+          </a:effectRef>
+          <a:fontRef idx="minor">
+            <a:schemeClr val="tx1"/>
+          </a:fontRef>
+        </p:style>
+      </p:cxnSp>
+      <p:sp>
+        <p:nvSpPr>
+          <p:cNvPr id="16" name="CaixaDeTexto 15"/>
+          <p:cNvSpPr txBox="1"/>
+          <p:nvPr/>
+        </p:nvSpPr>
+        <p:spPr>
+          <a:xfrm>
+            <a:off x="530679" y="155121"/>
+            <a:ext cx="6262008" cy="523220"/>
+          </a:xfrm>
+          <a:prstGeom prst="rect">
+            <a:avLst/>
+          </a:prstGeom>
+          <a:noFill/>
+        </p:spPr>
+        <p:txBody>
+          <a:bodyPr wrap="square" rtlCol="0">
+            <a:spAutoFit/>
+          </a:bodyPr>
+          <a:lstStyle/>
+          <a:p>
             <a:r>
               <a:rPr lang="pt-BR" sz="2800" b="1" dirty="0" smtClean="0">
                 <a:solidFill>
                   <a:srgbClr val="00B050"/>
                 </a:solidFill>
               </a:rPr>
-              <a:t>PROGRAMMING: DICAS</a:t>
+              <a:t>PAIR PROGRAMMING</a:t>
+            </a:r>
+            <a:r>
+              <a:rPr lang="pt-BR" sz="2800" b="1" dirty="0" smtClean="0">
+                <a:solidFill>
+                  <a:srgbClr val="00B050"/>
+                </a:solidFill>
+              </a:rPr>
+              <a:t>:</a:t>
             </a:r>
             <a:endParaRPr lang="pt-BR" sz="2800" b="1" dirty="0">
               <a:solidFill>
@@ -3749,10 +3995,133 @@
           </a:p>
         </p:txBody>
       </p:sp>
+      <p:pic>
+        <p:nvPicPr>
+          <p:cNvPr id="4" name="Imagem 3"/>
+          <p:cNvPicPr>
+            <a:picLocks noChangeAspect="1"/>
+          </p:cNvPicPr>
+          <p:nvPr/>
+        </p:nvPicPr>
+        <p:blipFill>
+          <a:blip r:embed="rId2">
+            <a:extLst>
+              <a:ext uri="{28A0092B-C50C-407E-A947-70E740481C1C}">
+                <a14:useLocalDpi xmlns:a14="http://schemas.microsoft.com/office/drawing/2010/main" val="0"/>
+              </a:ext>
+            </a:extLst>
+          </a:blip>
+          <a:stretch>
+            <a:fillRect/>
+          </a:stretch>
+        </p:blipFill>
+        <p:spPr>
+          <a:xfrm>
+            <a:off x="1767568" y="1102179"/>
+            <a:ext cx="8572500" cy="3533775"/>
+          </a:xfrm>
+          <a:prstGeom prst="rect">
+            <a:avLst/>
+          </a:prstGeom>
+        </p:spPr>
+      </p:pic>
+      <p:sp>
+        <p:nvSpPr>
+          <p:cNvPr id="5" name="CaixaDeTexto 4"/>
+          <p:cNvSpPr txBox="1"/>
+          <p:nvPr/>
+        </p:nvSpPr>
+        <p:spPr>
+          <a:xfrm>
+            <a:off x="2547257" y="4635954"/>
+            <a:ext cx="6988629" cy="1384995"/>
+          </a:xfrm>
+          <a:prstGeom prst="rect">
+            <a:avLst/>
+          </a:prstGeom>
+          <a:noFill/>
+        </p:spPr>
+        <p:txBody>
+          <a:bodyPr wrap="square" rtlCol="0">
+            <a:spAutoFit/>
+          </a:bodyPr>
+          <a:lstStyle/>
+          <a:p>
+            <a:pPr algn="ctr"/>
+            <a:r>
+              <a:rPr lang="pt-BR" sz="2800" dirty="0" smtClean="0">
+                <a:solidFill>
+                  <a:schemeClr val="accent2">
+                    <a:lumMod val="50000"/>
+                  </a:schemeClr>
+                </a:solidFill>
+              </a:rPr>
+              <a:t>Ricardo </a:t>
+            </a:r>
+            <a:r>
+              <a:rPr lang="pt-BR" sz="2800" dirty="0" err="1" smtClean="0">
+                <a:solidFill>
+                  <a:schemeClr val="accent2">
+                    <a:lumMod val="50000"/>
+                  </a:schemeClr>
+                </a:solidFill>
+              </a:rPr>
+              <a:t>Takuno</a:t>
+            </a:r>
+            <a:endParaRPr lang="pt-BR" sz="2800" dirty="0" smtClean="0">
+              <a:solidFill>
+                <a:schemeClr val="accent2">
+                  <a:lumMod val="50000"/>
+                </a:schemeClr>
+              </a:solidFill>
+            </a:endParaRPr>
+          </a:p>
+          <a:p>
+            <a:pPr algn="ctr"/>
+            <a:endParaRPr lang="pt-BR" sz="2800" dirty="0">
+              <a:solidFill>
+                <a:schemeClr val="accent2">
+                  <a:lumMod val="50000"/>
+                </a:schemeClr>
+              </a:solidFill>
+            </a:endParaRPr>
+          </a:p>
+          <a:p>
+            <a:pPr algn="ctr"/>
+            <a:r>
+              <a:rPr lang="pt-BR" sz="2800" dirty="0" err="1" smtClean="0">
+                <a:solidFill>
+                  <a:schemeClr val="accent2">
+                    <a:lumMod val="50000"/>
+                  </a:schemeClr>
+                </a:solidFill>
+              </a:rPr>
+              <a:t>Adriel</a:t>
+            </a:r>
+            <a:r>
+              <a:rPr lang="pt-BR" sz="2800" dirty="0" smtClean="0">
+                <a:solidFill>
+                  <a:schemeClr val="accent2">
+                    <a:lumMod val="50000"/>
+                  </a:schemeClr>
+                </a:solidFill>
+              </a:rPr>
+              <a:t> Silva</a:t>
+            </a:r>
+            <a:endParaRPr lang="pt-BR" sz="2800" dirty="0">
+              <a:solidFill>
+                <a:schemeClr val="accent2">
+                  <a:lumMod val="50000"/>
+                </a:schemeClr>
+              </a:solidFill>
+            </a:endParaRPr>
+          </a:p>
+        </p:txBody>
+      </p:sp>
     </p:spTree>
     <p:extLst>
       <p:ext uri="{BB962C8B-B14F-4D97-AF65-F5344CB8AC3E}">
-        <p14:creationId xmlns:p14="http://schemas.microsoft.com/office/powerpoint/2010/main" val="1351748934"/>
+        <p14:creationId xmlns:p14="http://schemas.microsoft.com/office/powerpoint/2010/main" val="402151216"/>
       </p:ext>
     </p:extLst>
   </p:cSld>
@@ -3934,16 +4303,6 @@
               </a:rPr>
               <a:t>Dicas</a:t>
             </a:r>
-            <a:endParaRPr lang="pt-BR" sz="3200" dirty="0" smtClean="0">
-              <a:ln w="0"/>
-              <a:effectLst>
-                <a:outerShdw blurRad="38100" dist="19050" dir="2700000" algn="tl" rotWithShape="0">
-                  <a:schemeClr val="dk1">
-                    <a:alpha val="40000"/>
-                  </a:schemeClr>
-                </a:outerShdw>
-              </a:effectLst>
-            </a:endParaRPr>
           </a:p>
         </p:txBody>
       </p:sp>
@@ -4042,15 +4401,7 @@
                   <a:srgbClr val="00B050"/>
                 </a:solidFill>
               </a:rPr>
-              <a:t>PAIR </a:t>
-            </a:r>
-            <a:r>
-              <a:rPr lang="pt-BR" sz="2800" b="1" dirty="0" smtClean="0">
-                <a:solidFill>
-                  <a:srgbClr val="00B050"/>
-                </a:solidFill>
-              </a:rPr>
-              <a:t>PROGRAMMING</a:t>
+              <a:t>PAIR PROGRAMMING</a:t>
             </a:r>
             <a:endParaRPr lang="pt-BR" sz="2800" b="1" dirty="0">
               <a:solidFill>
@@ -4226,15 +4577,7 @@
                   <a:srgbClr val="00B050"/>
                 </a:solidFill>
               </a:rPr>
-              <a:t>PAIR </a:t>
-            </a:r>
-            <a:r>
-              <a:rPr lang="pt-BR" sz="2800" b="1" dirty="0" smtClean="0">
-                <a:solidFill>
-                  <a:srgbClr val="00B050"/>
-                </a:solidFill>
-              </a:rPr>
-              <a:t>PROGRAMMING</a:t>
+              <a:t>PAIR PROGRAMMING</a:t>
             </a:r>
             <a:endParaRPr lang="pt-BR" sz="2800" b="1" dirty="0">
               <a:solidFill>
@@ -4487,15 +4830,7 @@
                   <a:srgbClr val="00B050"/>
                 </a:solidFill>
               </a:rPr>
-              <a:t>PAIR </a:t>
-            </a:r>
-            <a:r>
-              <a:rPr lang="pt-BR" sz="2800" b="1" dirty="0" smtClean="0">
-                <a:solidFill>
-                  <a:srgbClr val="00B050"/>
-                </a:solidFill>
-              </a:rPr>
-              <a:t>PROGRAMMING</a:t>
+              <a:t>PAIR PROGRAMMING</a:t>
             </a:r>
             <a:endParaRPr lang="pt-BR" sz="2800" b="1" dirty="0">
               <a:solidFill>
@@ -4680,15 +5015,7 @@
                   <a:srgbClr val="00B050"/>
                 </a:solidFill>
               </a:rPr>
-              <a:t>PAIR </a:t>
-            </a:r>
-            <a:r>
-              <a:rPr lang="pt-BR" sz="2800" b="1" dirty="0" smtClean="0">
-                <a:solidFill>
-                  <a:srgbClr val="00B050"/>
-                </a:solidFill>
-              </a:rPr>
-              <a:t>PROGRAMMING: O LADO BOM</a:t>
+              <a:t>PAIR PROGRAMMING: O LADO BOM</a:t>
             </a:r>
             <a:endParaRPr lang="pt-BR" sz="2800" b="1" dirty="0">
               <a:solidFill>
@@ -4901,15 +5228,7 @@
                   <a:srgbClr val="00B050"/>
                 </a:solidFill>
               </a:rPr>
-              <a:t>PAIR </a:t>
-            </a:r>
-            <a:r>
-              <a:rPr lang="pt-BR" sz="2800" b="1" dirty="0" smtClean="0">
-                <a:solidFill>
-                  <a:srgbClr val="00B050"/>
-                </a:solidFill>
-              </a:rPr>
-              <a:t>PROGRAMMING: O LADO BOM</a:t>
+              <a:t>PAIR PROGRAMMING: O LADO BOM</a:t>
             </a:r>
             <a:endParaRPr lang="pt-BR" sz="2800" b="1" dirty="0">
               <a:solidFill>
@@ -5154,15 +5473,7 @@
                   <a:srgbClr val="00B050"/>
                 </a:solidFill>
               </a:rPr>
-              <a:t>PAIR </a:t>
-            </a:r>
-            <a:r>
-              <a:rPr lang="pt-BR" sz="2800" b="1" dirty="0" smtClean="0">
-                <a:solidFill>
-                  <a:srgbClr val="00B050"/>
-                </a:solidFill>
-              </a:rPr>
-              <a:t>PROGRAMMING: O LADO RUIM</a:t>
+              <a:t>PAIR PROGRAMMING: O LADO RUIM</a:t>
             </a:r>
             <a:endParaRPr lang="pt-BR" sz="2800" b="1" dirty="0">
               <a:solidFill>
@@ -5382,15 +5693,7 @@
                   <a:srgbClr val="00B050"/>
                 </a:solidFill>
               </a:rPr>
-              <a:t>PAIR </a:t>
-            </a:r>
-            <a:r>
-              <a:rPr lang="pt-BR" sz="2800" b="1" dirty="0" smtClean="0">
-                <a:solidFill>
-                  <a:srgbClr val="00B050"/>
-                </a:solidFill>
-              </a:rPr>
-              <a:t>PROGRAMMING: O LADO RUIM</a:t>
+              <a:t>PAIR PROGRAMMING: O LADO RUIM</a:t>
             </a:r>
             <a:endParaRPr lang="pt-BR" sz="2800" b="1" dirty="0">
               <a:solidFill>
